--- a/material/figures/introduction/jba.pptx
+++ b/material/figures/introduction/jba.pptx
@@ -289,7 +289,7 @@
             <a:fld id="{E233F2FC-336D-4AEC-8E34-B26C5DCCE050}" type="datetimeFigureOut">
               <a:rPr lang="de-DE" smtClean="0"/>
               <a:pPr/>
-              <a:t>26.05.2012</a:t>
+              <a:t>12.07.2012</a:t>
             </a:fld>
             <a:endParaRPr lang="de-DE"/>
           </a:p>
@@ -456,7 +456,7 @@
             <a:fld id="{E233F2FC-336D-4AEC-8E34-B26C5DCCE050}" type="datetimeFigureOut">
               <a:rPr lang="de-DE" smtClean="0"/>
               <a:pPr/>
-              <a:t>26.05.2012</a:t>
+              <a:t>12.07.2012</a:t>
             </a:fld>
             <a:endParaRPr lang="de-DE"/>
           </a:p>
@@ -633,7 +633,7 @@
             <a:fld id="{E233F2FC-336D-4AEC-8E34-B26C5DCCE050}" type="datetimeFigureOut">
               <a:rPr lang="de-DE" smtClean="0"/>
               <a:pPr/>
-              <a:t>26.05.2012</a:t>
+              <a:t>12.07.2012</a:t>
             </a:fld>
             <a:endParaRPr lang="de-DE"/>
           </a:p>
@@ -800,7 +800,7 @@
             <a:fld id="{E233F2FC-336D-4AEC-8E34-B26C5DCCE050}" type="datetimeFigureOut">
               <a:rPr lang="de-DE" smtClean="0"/>
               <a:pPr/>
-              <a:t>26.05.2012</a:t>
+              <a:t>12.07.2012</a:t>
             </a:fld>
             <a:endParaRPr lang="de-DE"/>
           </a:p>
@@ -1043,7 +1043,7 @@
             <a:fld id="{E233F2FC-336D-4AEC-8E34-B26C5DCCE050}" type="datetimeFigureOut">
               <a:rPr lang="de-DE" smtClean="0"/>
               <a:pPr/>
-              <a:t>26.05.2012</a:t>
+              <a:t>12.07.2012</a:t>
             </a:fld>
             <a:endParaRPr lang="de-DE"/>
           </a:p>
@@ -1328,7 +1328,7 @@
             <a:fld id="{E233F2FC-336D-4AEC-8E34-B26C5DCCE050}" type="datetimeFigureOut">
               <a:rPr lang="de-DE" smtClean="0"/>
               <a:pPr/>
-              <a:t>26.05.2012</a:t>
+              <a:t>12.07.2012</a:t>
             </a:fld>
             <a:endParaRPr lang="de-DE"/>
           </a:p>
@@ -1747,7 +1747,7 @@
             <a:fld id="{E233F2FC-336D-4AEC-8E34-B26C5DCCE050}" type="datetimeFigureOut">
               <a:rPr lang="de-DE" smtClean="0"/>
               <a:pPr/>
-              <a:t>26.05.2012</a:t>
+              <a:t>12.07.2012</a:t>
             </a:fld>
             <a:endParaRPr lang="de-DE"/>
           </a:p>
@@ -1862,7 +1862,7 @@
             <a:fld id="{E233F2FC-336D-4AEC-8E34-B26C5DCCE050}" type="datetimeFigureOut">
               <a:rPr lang="de-DE" smtClean="0"/>
               <a:pPr/>
-              <a:t>26.05.2012</a:t>
+              <a:t>12.07.2012</a:t>
             </a:fld>
             <a:endParaRPr lang="de-DE"/>
           </a:p>
@@ -1954,7 +1954,7 @@
             <a:fld id="{E233F2FC-336D-4AEC-8E34-B26C5DCCE050}" type="datetimeFigureOut">
               <a:rPr lang="de-DE" smtClean="0"/>
               <a:pPr/>
-              <a:t>26.05.2012</a:t>
+              <a:t>12.07.2012</a:t>
             </a:fld>
             <a:endParaRPr lang="de-DE"/>
           </a:p>
@@ -2228,7 +2228,7 @@
             <a:fld id="{E233F2FC-336D-4AEC-8E34-B26C5DCCE050}" type="datetimeFigureOut">
               <a:rPr lang="de-DE" smtClean="0"/>
               <a:pPr/>
-              <a:t>26.05.2012</a:t>
+              <a:t>12.07.2012</a:t>
             </a:fld>
             <a:endParaRPr lang="de-DE"/>
           </a:p>
@@ -2478,7 +2478,7 @@
             <a:fld id="{E233F2FC-336D-4AEC-8E34-B26C5DCCE050}" type="datetimeFigureOut">
               <a:rPr lang="de-DE" smtClean="0"/>
               <a:pPr/>
-              <a:t>26.05.2012</a:t>
+              <a:t>12.07.2012</a:t>
             </a:fld>
             <a:endParaRPr lang="de-DE"/>
           </a:p>
@@ -2688,7 +2688,7 @@
             <a:fld id="{E233F2FC-336D-4AEC-8E34-B26C5DCCE050}" type="datetimeFigureOut">
               <a:rPr lang="de-DE" smtClean="0"/>
               <a:pPr/>
-              <a:t>26.05.2012</a:t>
+              <a:t>12.07.2012</a:t>
             </a:fld>
             <a:endParaRPr lang="de-DE"/>
           </a:p>
@@ -3294,10 +3294,10 @@
         </p:nvGrpSpPr>
         <p:grpSpPr>
           <a:xfrm>
-            <a:off x="2485767" y="4494097"/>
-            <a:ext cx="381325" cy="371728"/>
-            <a:chOff x="4860032" y="2121168"/>
-            <a:chExt cx="381325" cy="371728"/>
+            <a:off x="2476857" y="4494097"/>
+            <a:ext cx="401841" cy="371728"/>
+            <a:chOff x="4851122" y="2121168"/>
+            <a:chExt cx="401841" cy="371728"/>
           </a:xfrm>
         </p:grpSpPr>
         <p:sp>
@@ -3360,8 +3360,8 @@
           </p:nvSpPr>
           <p:spPr>
             <a:xfrm>
-              <a:off x="4862727" y="2121168"/>
-              <a:ext cx="378630" cy="338554"/>
+              <a:off x="4851122" y="2121168"/>
+              <a:ext cx="401841" cy="338554"/>
             </a:xfrm>
             <a:prstGeom prst="rect">
               <a:avLst/>
@@ -3378,7 +3378,7 @@
             <a:p>
               <a:pPr algn="ctr"/>
               <a:r>
-                <a:rPr lang="de-DE" sz="1600" i="1" dirty="0" err="1" smtClean="0">
+                <a:rPr lang="de-DE" sz="1600" i="1" dirty="0" smtClean="0">
                   <a:solidFill>
                     <a:schemeClr val="tx1"/>
                   </a:solidFill>
@@ -3388,14 +3388,11 @@
                 <a:t>V</a:t>
               </a:r>
               <a:r>
-                <a:rPr lang="de-DE" sz="1600" i="1" baseline="-25000" dirty="0" err="1" smtClean="0">
-                  <a:solidFill>
-                    <a:schemeClr val="tx1"/>
-                  </a:solidFill>
+                <a:rPr lang="de-DE" sz="1600" i="1" baseline="-25000" dirty="0" smtClean="0">
                   <a:latin typeface="Times New Roman" pitchFamily="18" charset="0"/>
                   <a:cs typeface="Times New Roman" pitchFamily="18" charset="0"/>
                 </a:rPr>
-                <a:t>g</a:t>
+                <a:t>in</a:t>
               </a:r>
               <a:endParaRPr lang="de-DE" sz="2400" i="1" baseline="-25000" dirty="0">
                 <a:solidFill>
@@ -3486,8 +3483,8 @@
         </p:nvSpPr>
         <p:spPr>
           <a:xfrm>
-            <a:off x="5846094" y="4037002"/>
-            <a:ext cx="526106" cy="400110"/>
+            <a:off x="5900686" y="4037002"/>
+            <a:ext cx="441146" cy="400110"/>
           </a:xfrm>
           <a:prstGeom prst="rect">
             <a:avLst/>
@@ -3512,7 +3509,7 @@
                 <a:latin typeface="Times New Roman" pitchFamily="18" charset="0"/>
                 <a:cs typeface="Times New Roman" pitchFamily="18" charset="0"/>
               </a:rPr>
-              <a:t>gq</a:t>
+              <a:t>g</a:t>
             </a:r>
             <a:endParaRPr lang="de-DE" sz="2000" i="1" baseline="-25000" dirty="0">
               <a:latin typeface="Times New Roman" pitchFamily="18" charset="0"/>
@@ -4026,7 +4023,7 @@
         <p:spPr>
           <a:xfrm>
             <a:off x="2912737" y="4013998"/>
-            <a:ext cx="441146" cy="400110"/>
+            <a:ext cx="489236" cy="400110"/>
           </a:xfrm>
           <a:prstGeom prst="rect">
             <a:avLst/>
@@ -4051,7 +4048,14 @@
                 <a:latin typeface="Times New Roman" pitchFamily="18" charset="0"/>
                 <a:cs typeface="Times New Roman" pitchFamily="18" charset="0"/>
               </a:rPr>
-              <a:t>g</a:t>
+              <a:t>i</a:t>
+            </a:r>
+            <a:r>
+              <a:rPr lang="de-DE" sz="2000" i="1" baseline="-25000" dirty="0" err="1" smtClean="0">
+                <a:latin typeface="Times New Roman" pitchFamily="18" charset="0"/>
+                <a:cs typeface="Times New Roman" pitchFamily="18" charset="0"/>
+              </a:rPr>
+              <a:t>n</a:t>
             </a:r>
             <a:endParaRPr lang="de-DE" sz="2000" i="1" baseline="-25000" dirty="0">
               <a:latin typeface="Times New Roman" pitchFamily="18" charset="0"/>

--- a/material/figures/introduction/jba.pptx
+++ b/material/figures/introduction/jba.pptx
@@ -4048,14 +4048,7 @@
                 <a:latin typeface="Times New Roman" pitchFamily="18" charset="0"/>
                 <a:cs typeface="Times New Roman" pitchFamily="18" charset="0"/>
               </a:rPr>
-              <a:t>i</a:t>
-            </a:r>
-            <a:r>
-              <a:rPr lang="de-DE" sz="2000" i="1" baseline="-25000" dirty="0" err="1" smtClean="0">
-                <a:latin typeface="Times New Roman" pitchFamily="18" charset="0"/>
-                <a:cs typeface="Times New Roman" pitchFamily="18" charset="0"/>
-              </a:rPr>
-              <a:t>n</a:t>
+              <a:t>in</a:t>
             </a:r>
             <a:endParaRPr lang="de-DE" sz="2000" i="1" baseline="-25000" dirty="0">
               <a:latin typeface="Times New Roman" pitchFamily="18" charset="0"/>

--- a/material/figures/introduction/jba.pptx
+++ b/material/figures/introduction/jba.pptx
@@ -289,7 +289,7 @@
             <a:fld id="{E233F2FC-336D-4AEC-8E34-B26C5DCCE050}" type="datetimeFigureOut">
               <a:rPr lang="de-DE" smtClean="0"/>
               <a:pPr/>
-              <a:t>12.07.2012</a:t>
+              <a:t>23.07.2012</a:t>
             </a:fld>
             <a:endParaRPr lang="de-DE"/>
           </a:p>
@@ -456,7 +456,7 @@
             <a:fld id="{E233F2FC-336D-4AEC-8E34-B26C5DCCE050}" type="datetimeFigureOut">
               <a:rPr lang="de-DE" smtClean="0"/>
               <a:pPr/>
-              <a:t>12.07.2012</a:t>
+              <a:t>23.07.2012</a:t>
             </a:fld>
             <a:endParaRPr lang="de-DE"/>
           </a:p>
@@ -633,7 +633,7 @@
             <a:fld id="{E233F2FC-336D-4AEC-8E34-B26C5DCCE050}" type="datetimeFigureOut">
               <a:rPr lang="de-DE" smtClean="0"/>
               <a:pPr/>
-              <a:t>12.07.2012</a:t>
+              <a:t>23.07.2012</a:t>
             </a:fld>
             <a:endParaRPr lang="de-DE"/>
           </a:p>
@@ -800,7 +800,7 @@
             <a:fld id="{E233F2FC-336D-4AEC-8E34-B26C5DCCE050}" type="datetimeFigureOut">
               <a:rPr lang="de-DE" smtClean="0"/>
               <a:pPr/>
-              <a:t>12.07.2012</a:t>
+              <a:t>23.07.2012</a:t>
             </a:fld>
             <a:endParaRPr lang="de-DE"/>
           </a:p>
@@ -1043,7 +1043,7 @@
             <a:fld id="{E233F2FC-336D-4AEC-8E34-B26C5DCCE050}" type="datetimeFigureOut">
               <a:rPr lang="de-DE" smtClean="0"/>
               <a:pPr/>
-              <a:t>12.07.2012</a:t>
+              <a:t>23.07.2012</a:t>
             </a:fld>
             <a:endParaRPr lang="de-DE"/>
           </a:p>
@@ -1328,7 +1328,7 @@
             <a:fld id="{E233F2FC-336D-4AEC-8E34-B26C5DCCE050}" type="datetimeFigureOut">
               <a:rPr lang="de-DE" smtClean="0"/>
               <a:pPr/>
-              <a:t>12.07.2012</a:t>
+              <a:t>23.07.2012</a:t>
             </a:fld>
             <a:endParaRPr lang="de-DE"/>
           </a:p>
@@ -1747,7 +1747,7 @@
             <a:fld id="{E233F2FC-336D-4AEC-8E34-B26C5DCCE050}" type="datetimeFigureOut">
               <a:rPr lang="de-DE" smtClean="0"/>
               <a:pPr/>
-              <a:t>12.07.2012</a:t>
+              <a:t>23.07.2012</a:t>
             </a:fld>
             <a:endParaRPr lang="de-DE"/>
           </a:p>
@@ -1862,7 +1862,7 @@
             <a:fld id="{E233F2FC-336D-4AEC-8E34-B26C5DCCE050}" type="datetimeFigureOut">
               <a:rPr lang="de-DE" smtClean="0"/>
               <a:pPr/>
-              <a:t>12.07.2012</a:t>
+              <a:t>23.07.2012</a:t>
             </a:fld>
             <a:endParaRPr lang="de-DE"/>
           </a:p>
@@ -1954,7 +1954,7 @@
             <a:fld id="{E233F2FC-336D-4AEC-8E34-B26C5DCCE050}" type="datetimeFigureOut">
               <a:rPr lang="de-DE" smtClean="0"/>
               <a:pPr/>
-              <a:t>12.07.2012</a:t>
+              <a:t>23.07.2012</a:t>
             </a:fld>
             <a:endParaRPr lang="de-DE"/>
           </a:p>
@@ -2228,7 +2228,7 @@
             <a:fld id="{E233F2FC-336D-4AEC-8E34-B26C5DCCE050}" type="datetimeFigureOut">
               <a:rPr lang="de-DE" smtClean="0"/>
               <a:pPr/>
-              <a:t>12.07.2012</a:t>
+              <a:t>23.07.2012</a:t>
             </a:fld>
             <a:endParaRPr lang="de-DE"/>
           </a:p>
@@ -2478,7 +2478,7 @@
             <a:fld id="{E233F2FC-336D-4AEC-8E34-B26C5DCCE050}" type="datetimeFigureOut">
               <a:rPr lang="de-DE" smtClean="0"/>
               <a:pPr/>
-              <a:t>12.07.2012</a:t>
+              <a:t>23.07.2012</a:t>
             </a:fld>
             <a:endParaRPr lang="de-DE"/>
           </a:p>
@@ -2688,7 +2688,7 @@
             <a:fld id="{E233F2FC-336D-4AEC-8E34-B26C5DCCE050}" type="datetimeFigureOut">
               <a:rPr lang="de-DE" smtClean="0"/>
               <a:pPr/>
-              <a:t>12.07.2012</a:t>
+              <a:t>23.07.2012</a:t>
             </a:fld>
             <a:endParaRPr lang="de-DE"/>
           </a:p>
@@ -4057,40 +4057,6 @@
           </a:p>
         </p:txBody>
       </p:sp>
-      <p:pic>
-        <p:nvPicPr>
-          <p:cNvPr id="1026" name="Picture 2"/>
-          <p:cNvPicPr>
-            <a:picLocks noChangeAspect="1" noChangeArrowheads="1"/>
-          </p:cNvPicPr>
-          <p:nvPr/>
-        </p:nvPicPr>
-        <p:blipFill>
-          <a:blip r:embed="rId2" cstate="print">
-            <a:grayscl/>
-          </a:blip>
-          <a:srcRect/>
-          <a:stretch>
-            <a:fillRect/>
-          </a:stretch>
-        </p:blipFill>
-        <p:spPr bwMode="auto">
-          <a:xfrm rot="10800000">
-            <a:off x="1835695" y="2708919"/>
-            <a:ext cx="2832620" cy="1152128"/>
-          </a:xfrm>
-          <a:prstGeom prst="rect">
-            <a:avLst/>
-          </a:prstGeom>
-          <a:noFill/>
-          <a:ln w="9525">
-            <a:noFill/>
-            <a:miter lim="800000"/>
-            <a:headEnd/>
-            <a:tailEnd/>
-          </a:ln>
-        </p:spPr>
-      </p:pic>
       <p:sp>
         <p:nvSpPr>
           <p:cNvPr id="159" name="Ellipse 158"/>
@@ -4410,70 +4376,6 @@
           </a:p>
         </p:txBody>
       </p:sp>
-      <p:pic>
-        <p:nvPicPr>
-          <p:cNvPr id="1029" name="Picture 5"/>
-          <p:cNvPicPr>
-            <a:picLocks noChangeAspect="1" noChangeArrowheads="1"/>
-          </p:cNvPicPr>
-          <p:nvPr/>
-        </p:nvPicPr>
-        <p:blipFill>
-          <a:blip r:embed="rId3" cstate="print"/>
-          <a:srcRect/>
-          <a:stretch>
-            <a:fillRect/>
-          </a:stretch>
-        </p:blipFill>
-        <p:spPr bwMode="auto">
-          <a:xfrm>
-            <a:off x="4716016" y="2708920"/>
-            <a:ext cx="672448" cy="1152128"/>
-          </a:xfrm>
-          <a:prstGeom prst="rect">
-            <a:avLst/>
-          </a:prstGeom>
-          <a:noFill/>
-          <a:ln w="9525">
-            <a:noFill/>
-            <a:miter lim="800000"/>
-            <a:headEnd/>
-            <a:tailEnd/>
-          </a:ln>
-        </p:spPr>
-      </p:pic>
-      <p:pic>
-        <p:nvPicPr>
-          <p:cNvPr id="1030" name="Picture 6"/>
-          <p:cNvPicPr>
-            <a:picLocks noChangeAspect="1" noChangeArrowheads="1"/>
-          </p:cNvPicPr>
-          <p:nvPr/>
-        </p:nvPicPr>
-        <p:blipFill>
-          <a:blip r:embed="rId4" cstate="print"/>
-          <a:srcRect/>
-          <a:stretch>
-            <a:fillRect/>
-          </a:stretch>
-        </p:blipFill>
-        <p:spPr bwMode="auto">
-          <a:xfrm>
-            <a:off x="5508104" y="2708920"/>
-            <a:ext cx="1152128" cy="1152128"/>
-          </a:xfrm>
-          <a:prstGeom prst="rect">
-            <a:avLst/>
-          </a:prstGeom>
-          <a:noFill/>
-          <a:ln w="9525">
-            <a:noFill/>
-            <a:miter lim="800000"/>
-            <a:headEnd/>
-            <a:tailEnd/>
-          </a:ln>
-        </p:spPr>
-      </p:pic>
       <p:sp>
         <p:nvSpPr>
           <p:cNvPr id="171" name="Textfeld 170"/>
@@ -4513,6 +4415,1379 @@
             <a:endParaRPr lang="de-DE" sz="2000" i="1" baseline="-25000" dirty="0">
               <a:latin typeface="Times New Roman" pitchFamily="18" charset="0"/>
               <a:cs typeface="Times New Roman" pitchFamily="18" charset="0"/>
+            </a:endParaRPr>
+          </a:p>
+        </p:txBody>
+      </p:sp>
+      <p:cxnSp>
+        <p:nvCxnSpPr>
+          <p:cNvPr id="49" name="Gerade Verbindung 48"/>
+          <p:cNvCxnSpPr/>
+          <p:nvPr/>
+        </p:nvCxnSpPr>
+        <p:spPr>
+          <a:xfrm>
+            <a:off x="2245595" y="6021908"/>
+            <a:ext cx="3017979" cy="768"/>
+          </a:xfrm>
+          <a:prstGeom prst="line">
+            <a:avLst/>
+          </a:prstGeom>
+          <a:ln w="19050">
+            <a:solidFill>
+              <a:schemeClr val="tx1"/>
+            </a:solidFill>
+          </a:ln>
+        </p:spPr>
+        <p:style>
+          <a:lnRef idx="1">
+            <a:schemeClr val="accent1"/>
+          </a:lnRef>
+          <a:fillRef idx="0">
+            <a:schemeClr val="accent1"/>
+          </a:fillRef>
+          <a:effectRef idx="0">
+            <a:schemeClr val="accent1"/>
+          </a:effectRef>
+          <a:fontRef idx="minor">
+            <a:schemeClr val="tx1"/>
+          </a:fontRef>
+        </p:style>
+      </p:cxnSp>
+      <p:sp>
+        <p:nvSpPr>
+          <p:cNvPr id="51" name="Rechteck 50"/>
+          <p:cNvSpPr/>
+          <p:nvPr/>
+        </p:nvSpPr>
+        <p:spPr>
+          <a:xfrm>
+            <a:off x="3407230" y="5868844"/>
+            <a:ext cx="134509" cy="288032"/>
+          </a:xfrm>
+          <a:prstGeom prst="rect">
+            <a:avLst/>
+          </a:prstGeom>
+          <a:solidFill>
+            <a:schemeClr val="bg1"/>
+          </a:solidFill>
+          <a:ln>
+            <a:noFill/>
+          </a:ln>
+        </p:spPr>
+        <p:style>
+          <a:lnRef idx="2">
+            <a:schemeClr val="accent1">
+              <a:shade val="50000"/>
+            </a:schemeClr>
+          </a:lnRef>
+          <a:fillRef idx="1">
+            <a:schemeClr val="accent1"/>
+          </a:fillRef>
+          <a:effectRef idx="0">
+            <a:schemeClr val="accent1"/>
+          </a:effectRef>
+          <a:fontRef idx="minor">
+            <a:schemeClr val="lt1"/>
+          </a:fontRef>
+        </p:style>
+        <p:txBody>
+          <a:bodyPr rtlCol="0" anchor="ctr"/>
+          <a:lstStyle/>
+          <a:p>
+            <a:pPr algn="ctr"/>
+            <a:endParaRPr lang="de-DE"/>
+          </a:p>
+        </p:txBody>
+      </p:sp>
+      <p:sp>
+        <p:nvSpPr>
+          <p:cNvPr id="53" name="Rechteck 52"/>
+          <p:cNvSpPr/>
+          <p:nvPr/>
+        </p:nvSpPr>
+        <p:spPr>
+          <a:xfrm>
+            <a:off x="3900643" y="5940852"/>
+            <a:ext cx="418812" cy="144016"/>
+          </a:xfrm>
+          <a:prstGeom prst="rect">
+            <a:avLst/>
+          </a:prstGeom>
+          <a:solidFill>
+            <a:schemeClr val="bg1"/>
+          </a:solidFill>
+          <a:ln>
+            <a:noFill/>
+          </a:ln>
+        </p:spPr>
+        <p:style>
+          <a:lnRef idx="2">
+            <a:schemeClr val="accent1">
+              <a:shade val="50000"/>
+            </a:schemeClr>
+          </a:lnRef>
+          <a:fillRef idx="1">
+            <a:schemeClr val="accent1"/>
+          </a:fillRef>
+          <a:effectRef idx="0">
+            <a:schemeClr val="accent1"/>
+          </a:effectRef>
+          <a:fontRef idx="minor">
+            <a:schemeClr val="lt1"/>
+          </a:fontRef>
+        </p:style>
+        <p:txBody>
+          <a:bodyPr rtlCol="0" anchor="ctr"/>
+          <a:lstStyle/>
+          <a:p>
+            <a:pPr algn="ctr"/>
+            <a:endParaRPr lang="de-DE"/>
+          </a:p>
+        </p:txBody>
+      </p:sp>
+      <p:grpSp>
+        <p:nvGrpSpPr>
+          <p:cNvPr id="54" name="Gruppieren 53"/>
+          <p:cNvGrpSpPr/>
+          <p:nvPr/>
+        </p:nvGrpSpPr>
+        <p:grpSpPr>
+          <a:xfrm>
+            <a:off x="4621859" y="5922384"/>
+            <a:ext cx="216024" cy="216024"/>
+            <a:chOff x="2771800" y="2348880"/>
+            <a:chExt cx="288032" cy="288032"/>
+          </a:xfrm>
+        </p:grpSpPr>
+        <p:cxnSp>
+          <p:nvCxnSpPr>
+            <p:cNvPr id="55" name="Gerade Verbindung 54"/>
+            <p:cNvCxnSpPr/>
+            <p:nvPr/>
+          </p:nvCxnSpPr>
+          <p:spPr>
+            <a:xfrm>
+              <a:off x="2771800" y="2348880"/>
+              <a:ext cx="288032" cy="288032"/>
+            </a:xfrm>
+            <a:prstGeom prst="line">
+              <a:avLst/>
+            </a:prstGeom>
+            <a:ln w="19050">
+              <a:solidFill>
+                <a:schemeClr val="tx1"/>
+              </a:solidFill>
+            </a:ln>
+          </p:spPr>
+          <p:style>
+            <a:lnRef idx="1">
+              <a:schemeClr val="accent1"/>
+            </a:lnRef>
+            <a:fillRef idx="0">
+              <a:schemeClr val="accent1"/>
+            </a:fillRef>
+            <a:effectRef idx="0">
+              <a:schemeClr val="accent1"/>
+            </a:effectRef>
+            <a:fontRef idx="minor">
+              <a:schemeClr val="tx1"/>
+            </a:fontRef>
+          </p:style>
+        </p:cxnSp>
+        <p:cxnSp>
+          <p:nvCxnSpPr>
+            <p:cNvPr id="56" name="Gerade Verbindung 55"/>
+            <p:cNvCxnSpPr/>
+            <p:nvPr/>
+          </p:nvCxnSpPr>
+          <p:spPr>
+            <a:xfrm flipV="1">
+              <a:off x="2771800" y="2348880"/>
+              <a:ext cx="288032" cy="288032"/>
+            </a:xfrm>
+            <a:prstGeom prst="line">
+              <a:avLst/>
+            </a:prstGeom>
+            <a:ln w="19050">
+              <a:solidFill>
+                <a:schemeClr val="tx1"/>
+              </a:solidFill>
+            </a:ln>
+          </p:spPr>
+          <p:style>
+            <a:lnRef idx="1">
+              <a:schemeClr val="accent1"/>
+            </a:lnRef>
+            <a:fillRef idx="0">
+              <a:schemeClr val="accent1"/>
+            </a:fillRef>
+            <a:effectRef idx="0">
+              <a:schemeClr val="accent1"/>
+            </a:effectRef>
+            <a:fontRef idx="minor">
+              <a:schemeClr val="tx1"/>
+            </a:fontRef>
+          </p:style>
+        </p:cxnSp>
+      </p:grpSp>
+      <p:cxnSp>
+        <p:nvCxnSpPr>
+          <p:cNvPr id="57" name="Gerade Verbindung 56"/>
+          <p:cNvCxnSpPr/>
+          <p:nvPr/>
+        </p:nvCxnSpPr>
+        <p:spPr>
+          <a:xfrm>
+            <a:off x="5918003" y="6008646"/>
+            <a:ext cx="0" cy="432048"/>
+          </a:xfrm>
+          <a:prstGeom prst="line">
+            <a:avLst/>
+          </a:prstGeom>
+          <a:ln w="19050">
+            <a:solidFill>
+              <a:schemeClr val="tx1"/>
+            </a:solidFill>
+            <a:headEnd type="none" w="med" len="med"/>
+            <a:tailEnd type="none" w="med" len="med"/>
+          </a:ln>
+        </p:spPr>
+        <p:style>
+          <a:lnRef idx="1">
+            <a:schemeClr val="accent1"/>
+          </a:lnRef>
+          <a:fillRef idx="0">
+            <a:schemeClr val="accent1"/>
+          </a:fillRef>
+          <a:effectRef idx="0">
+            <a:schemeClr val="accent1"/>
+          </a:effectRef>
+          <a:fontRef idx="minor">
+            <a:schemeClr val="tx1"/>
+          </a:fontRef>
+        </p:style>
+      </p:cxnSp>
+      <p:cxnSp>
+        <p:nvCxnSpPr>
+          <p:cNvPr id="58" name="Gerade Verbindung 57"/>
+          <p:cNvCxnSpPr/>
+          <p:nvPr/>
+        </p:nvCxnSpPr>
+        <p:spPr>
+          <a:xfrm>
+            <a:off x="5701979" y="6440694"/>
+            <a:ext cx="432048" cy="0"/>
+          </a:xfrm>
+          <a:prstGeom prst="line">
+            <a:avLst/>
+          </a:prstGeom>
+          <a:ln w="19050">
+            <a:solidFill>
+              <a:schemeClr val="tx1"/>
+            </a:solidFill>
+          </a:ln>
+        </p:spPr>
+        <p:style>
+          <a:lnRef idx="1">
+            <a:schemeClr val="accent1"/>
+          </a:lnRef>
+          <a:fillRef idx="0">
+            <a:schemeClr val="accent1"/>
+          </a:fillRef>
+          <a:effectRef idx="0">
+            <a:schemeClr val="accent1"/>
+          </a:effectRef>
+          <a:fontRef idx="minor">
+            <a:schemeClr val="tx1"/>
+          </a:fontRef>
+        </p:style>
+      </p:cxnSp>
+      <p:cxnSp>
+        <p:nvCxnSpPr>
+          <p:cNvPr id="62" name="Gerade Verbindung 61"/>
+          <p:cNvCxnSpPr/>
+          <p:nvPr/>
+        </p:nvCxnSpPr>
+        <p:spPr>
+          <a:xfrm flipH="1">
+            <a:off x="5773987" y="6512702"/>
+            <a:ext cx="288032" cy="0"/>
+          </a:xfrm>
+          <a:prstGeom prst="line">
+            <a:avLst/>
+          </a:prstGeom>
+          <a:ln w="19050">
+            <a:solidFill>
+              <a:schemeClr val="tx1"/>
+            </a:solidFill>
+          </a:ln>
+        </p:spPr>
+        <p:style>
+          <a:lnRef idx="1">
+            <a:schemeClr val="accent1"/>
+          </a:lnRef>
+          <a:fillRef idx="0">
+            <a:schemeClr val="accent1"/>
+          </a:fillRef>
+          <a:effectRef idx="0">
+            <a:schemeClr val="accent1"/>
+          </a:effectRef>
+          <a:fontRef idx="minor">
+            <a:schemeClr val="tx1"/>
+          </a:fontRef>
+        </p:style>
+      </p:cxnSp>
+      <p:cxnSp>
+        <p:nvCxnSpPr>
+          <p:cNvPr id="63" name="Gerade Verbindung 62"/>
+          <p:cNvCxnSpPr/>
+          <p:nvPr/>
+        </p:nvCxnSpPr>
+        <p:spPr>
+          <a:xfrm flipH="1">
+            <a:off x="5845995" y="6584710"/>
+            <a:ext cx="144016" cy="0"/>
+          </a:xfrm>
+          <a:prstGeom prst="line">
+            <a:avLst/>
+          </a:prstGeom>
+          <a:ln w="19050">
+            <a:solidFill>
+              <a:schemeClr val="tx1"/>
+            </a:solidFill>
+          </a:ln>
+        </p:spPr>
+        <p:style>
+          <a:lnRef idx="1">
+            <a:schemeClr val="accent1"/>
+          </a:lnRef>
+          <a:fillRef idx="0">
+            <a:schemeClr val="accent1"/>
+          </a:fillRef>
+          <a:effectRef idx="0">
+            <a:schemeClr val="accent1"/>
+          </a:effectRef>
+          <a:fontRef idx="minor">
+            <a:schemeClr val="tx1"/>
+          </a:fontRef>
+        </p:style>
+      </p:cxnSp>
+      <p:sp>
+        <p:nvSpPr>
+          <p:cNvPr id="64" name="Ellipse 63"/>
+          <p:cNvSpPr/>
+          <p:nvPr/>
+        </p:nvSpPr>
+        <p:spPr>
+          <a:xfrm>
+            <a:off x="5276705" y="5837734"/>
+            <a:ext cx="360040" cy="360040"/>
+          </a:xfrm>
+          <a:prstGeom prst="ellipse">
+            <a:avLst/>
+          </a:prstGeom>
+          <a:noFill/>
+          <a:ln w="19050">
+            <a:solidFill>
+              <a:schemeClr val="tx1"/>
+            </a:solidFill>
+          </a:ln>
+        </p:spPr>
+        <p:style>
+          <a:lnRef idx="2">
+            <a:schemeClr val="accent1">
+              <a:shade val="50000"/>
+            </a:schemeClr>
+          </a:lnRef>
+          <a:fillRef idx="1">
+            <a:schemeClr val="accent1"/>
+          </a:fillRef>
+          <a:effectRef idx="0">
+            <a:schemeClr val="accent1"/>
+          </a:effectRef>
+          <a:fontRef idx="minor">
+            <a:schemeClr val="lt1"/>
+          </a:fontRef>
+        </p:style>
+        <p:txBody>
+          <a:bodyPr rtlCol="0" anchor="ctr"/>
+          <a:lstStyle/>
+          <a:p>
+            <a:pPr algn="ctr"/>
+            <a:endParaRPr lang="de-DE" sz="1400" i="1" baseline="-25000" dirty="0">
+              <a:solidFill>
+                <a:schemeClr val="tx1"/>
+              </a:solidFill>
+              <a:latin typeface="Times New Roman" pitchFamily="18" charset="0"/>
+              <a:cs typeface="Times New Roman" pitchFamily="18" charset="0"/>
+            </a:endParaRPr>
+          </a:p>
+        </p:txBody>
+      </p:sp>
+      <p:sp>
+        <p:nvSpPr>
+          <p:cNvPr id="66" name="Rechteck 65"/>
+          <p:cNvSpPr/>
+          <p:nvPr/>
+        </p:nvSpPr>
+        <p:spPr>
+          <a:xfrm>
+            <a:off x="5297537" y="5854137"/>
+            <a:ext cx="293670" cy="307777"/>
+          </a:xfrm>
+          <a:prstGeom prst="rect">
+            <a:avLst/>
+          </a:prstGeom>
+          <a:ln w="19050">
+            <a:noFill/>
+          </a:ln>
+        </p:spPr>
+        <p:txBody>
+          <a:bodyPr wrap="none">
+            <a:spAutoFit/>
+          </a:bodyPr>
+          <a:lstStyle/>
+          <a:p>
+            <a:pPr algn="ctr"/>
+            <a:r>
+              <a:rPr lang="de-DE" sz="1400" i="1" dirty="0" smtClean="0">
+                <a:solidFill>
+                  <a:schemeClr val="tx1"/>
+                </a:solidFill>
+                <a:latin typeface="Times New Roman" pitchFamily="18" charset="0"/>
+                <a:cs typeface="Times New Roman" pitchFamily="18" charset="0"/>
+              </a:rPr>
+              <a:t>V</a:t>
+            </a:r>
+            <a:endParaRPr lang="de-DE" sz="2000" i="1" baseline="-25000" dirty="0">
+              <a:solidFill>
+                <a:schemeClr val="tx1"/>
+              </a:solidFill>
+              <a:latin typeface="Times New Roman" pitchFamily="18" charset="0"/>
+              <a:cs typeface="Times New Roman" pitchFamily="18" charset="0"/>
+            </a:endParaRPr>
+          </a:p>
+        </p:txBody>
+      </p:sp>
+      <p:cxnSp>
+        <p:nvCxnSpPr>
+          <p:cNvPr id="69" name="Gerade Verbindung 68"/>
+          <p:cNvCxnSpPr>
+            <a:endCxn id="64" idx="6"/>
+          </p:cNvCxnSpPr>
+          <p:nvPr/>
+        </p:nvCxnSpPr>
+        <p:spPr>
+          <a:xfrm flipH="1" flipV="1">
+            <a:off x="5636745" y="6017754"/>
+            <a:ext cx="281258" cy="144"/>
+          </a:xfrm>
+          <a:prstGeom prst="line">
+            <a:avLst/>
+          </a:prstGeom>
+          <a:ln w="19050">
+            <a:solidFill>
+              <a:schemeClr val="tx1"/>
+            </a:solidFill>
+          </a:ln>
+        </p:spPr>
+        <p:style>
+          <a:lnRef idx="1">
+            <a:schemeClr val="accent1"/>
+          </a:lnRef>
+          <a:fillRef idx="0">
+            <a:schemeClr val="accent1"/>
+          </a:fillRef>
+          <a:effectRef idx="0">
+            <a:schemeClr val="accent1"/>
+          </a:effectRef>
+          <a:fontRef idx="minor">
+            <a:schemeClr val="tx1"/>
+          </a:fontRef>
+        </p:style>
+      </p:cxnSp>
+      <p:grpSp>
+        <p:nvGrpSpPr>
+          <p:cNvPr id="70" name="Gruppieren 69"/>
+          <p:cNvGrpSpPr/>
+          <p:nvPr/>
+        </p:nvGrpSpPr>
+        <p:grpSpPr>
+          <a:xfrm rot="5400000">
+            <a:off x="3329790" y="5967354"/>
+            <a:ext cx="288032" cy="107868"/>
+            <a:chOff x="2123728" y="2169004"/>
+            <a:chExt cx="288032" cy="107868"/>
+          </a:xfrm>
+        </p:grpSpPr>
+        <p:cxnSp>
+          <p:nvCxnSpPr>
+            <p:cNvPr id="72" name="Gerade Verbindung 71"/>
+            <p:cNvCxnSpPr/>
+            <p:nvPr/>
+          </p:nvCxnSpPr>
+          <p:spPr>
+            <a:xfrm>
+              <a:off x="2123728" y="2276872"/>
+              <a:ext cx="288032" cy="0"/>
+            </a:xfrm>
+            <a:prstGeom prst="line">
+              <a:avLst/>
+            </a:prstGeom>
+            <a:ln w="19050">
+              <a:solidFill>
+                <a:schemeClr val="tx1"/>
+              </a:solidFill>
+              <a:prstDash val="solid"/>
+            </a:ln>
+          </p:spPr>
+          <p:style>
+            <a:lnRef idx="1">
+              <a:schemeClr val="accent1"/>
+            </a:lnRef>
+            <a:fillRef idx="0">
+              <a:schemeClr val="accent1"/>
+            </a:fillRef>
+            <a:effectRef idx="0">
+              <a:schemeClr val="accent1"/>
+            </a:effectRef>
+            <a:fontRef idx="minor">
+              <a:schemeClr val="tx1"/>
+            </a:fontRef>
+          </p:style>
+        </p:cxnSp>
+        <p:cxnSp>
+          <p:nvCxnSpPr>
+            <p:cNvPr id="73" name="Gerade Verbindung 72"/>
+            <p:cNvCxnSpPr/>
+            <p:nvPr/>
+          </p:nvCxnSpPr>
+          <p:spPr>
+            <a:xfrm>
+              <a:off x="2123728" y="2169004"/>
+              <a:ext cx="288032" cy="0"/>
+            </a:xfrm>
+            <a:prstGeom prst="line">
+              <a:avLst/>
+            </a:prstGeom>
+            <a:ln w="19050">
+              <a:solidFill>
+                <a:schemeClr val="tx1"/>
+              </a:solidFill>
+              <a:prstDash val="solid"/>
+            </a:ln>
+          </p:spPr>
+          <p:style>
+            <a:lnRef idx="1">
+              <a:schemeClr val="accent1"/>
+            </a:lnRef>
+            <a:fillRef idx="0">
+              <a:schemeClr val="accent1"/>
+            </a:fillRef>
+            <a:effectRef idx="0">
+              <a:schemeClr val="accent1"/>
+            </a:effectRef>
+            <a:fontRef idx="minor">
+              <a:schemeClr val="tx1"/>
+            </a:fontRef>
+          </p:style>
+        </p:cxnSp>
+      </p:grpSp>
+      <p:sp>
+        <p:nvSpPr>
+          <p:cNvPr id="74" name="Textfeld 73"/>
+          <p:cNvSpPr txBox="1"/>
+          <p:nvPr/>
+        </p:nvSpPr>
+        <p:spPr>
+          <a:xfrm>
+            <a:off x="3253707" y="5432582"/>
+            <a:ext cx="431528" cy="400110"/>
+          </a:xfrm>
+          <a:prstGeom prst="rect">
+            <a:avLst/>
+          </a:prstGeom>
+          <a:noFill/>
+        </p:spPr>
+        <p:txBody>
+          <a:bodyPr wrap="none" rtlCol="0">
+            <a:spAutoFit/>
+          </a:bodyPr>
+          <a:lstStyle/>
+          <a:p>
+            <a:r>
+              <a:rPr lang="de-DE" sz="2000" i="1" dirty="0" err="1" smtClean="0">
+                <a:latin typeface="Times New Roman" pitchFamily="18" charset="0"/>
+                <a:cs typeface="Times New Roman" pitchFamily="18" charset="0"/>
+              </a:rPr>
+              <a:t>C</a:t>
+            </a:r>
+            <a:r>
+              <a:rPr lang="de-DE" sz="2000" i="1" baseline="-25000" dirty="0" err="1" smtClean="0">
+                <a:latin typeface="Times New Roman" pitchFamily="18" charset="0"/>
+                <a:cs typeface="Times New Roman" pitchFamily="18" charset="0"/>
+              </a:rPr>
+              <a:t>e</a:t>
+            </a:r>
+            <a:endParaRPr lang="de-DE" sz="2000" i="1" baseline="-25000" dirty="0">
+              <a:latin typeface="Times New Roman" pitchFamily="18" charset="0"/>
+              <a:cs typeface="Times New Roman" pitchFamily="18" charset="0"/>
+            </a:endParaRPr>
+          </a:p>
+        </p:txBody>
+      </p:sp>
+      <p:sp>
+        <p:nvSpPr>
+          <p:cNvPr id="75" name="Textfeld 74"/>
+          <p:cNvSpPr txBox="1"/>
+          <p:nvPr/>
+        </p:nvSpPr>
+        <p:spPr>
+          <a:xfrm>
+            <a:off x="4549851" y="5432582"/>
+            <a:ext cx="417102" cy="400110"/>
+          </a:xfrm>
+          <a:prstGeom prst="rect">
+            <a:avLst/>
+          </a:prstGeom>
+          <a:noFill/>
+        </p:spPr>
+        <p:txBody>
+          <a:bodyPr wrap="none" rtlCol="0">
+            <a:spAutoFit/>
+          </a:bodyPr>
+          <a:lstStyle/>
+          <a:p>
+            <a:r>
+              <a:rPr lang="de-DE" sz="2000" i="1" dirty="0" smtClean="0">
+                <a:latin typeface="Times New Roman" pitchFamily="18" charset="0"/>
+                <a:cs typeface="Times New Roman" pitchFamily="18" charset="0"/>
+              </a:rPr>
+              <a:t>E</a:t>
+            </a:r>
+            <a:r>
+              <a:rPr lang="de-DE" sz="2000" i="1" baseline="-25000" dirty="0" smtClean="0">
+                <a:latin typeface="Times New Roman" pitchFamily="18" charset="0"/>
+                <a:cs typeface="Times New Roman" pitchFamily="18" charset="0"/>
+              </a:rPr>
+              <a:t>J</a:t>
+            </a:r>
+            <a:endParaRPr lang="de-DE" sz="2000" i="1" baseline="-25000" dirty="0">
+              <a:latin typeface="Times New Roman" pitchFamily="18" charset="0"/>
+              <a:cs typeface="Times New Roman" pitchFamily="18" charset="0"/>
+            </a:endParaRPr>
+          </a:p>
+        </p:txBody>
+      </p:sp>
+      <p:grpSp>
+        <p:nvGrpSpPr>
+          <p:cNvPr id="76" name="Gruppieren 26"/>
+          <p:cNvGrpSpPr/>
+          <p:nvPr/>
+        </p:nvGrpSpPr>
+        <p:grpSpPr>
+          <a:xfrm rot="5556335" flipH="1" flipV="1">
+            <a:off x="4030272" y="5828079"/>
+            <a:ext cx="156407" cy="407237"/>
+            <a:chOff x="3263465" y="1394775"/>
+            <a:chExt cx="384822" cy="1577366"/>
+          </a:xfrm>
+        </p:grpSpPr>
+        <p:sp>
+          <p:nvSpPr>
+            <p:cNvPr id="77" name="Bogen 76"/>
+            <p:cNvSpPr/>
+            <p:nvPr/>
+          </p:nvSpPr>
+          <p:spPr>
+            <a:xfrm rot="11021761" flipH="1" flipV="1">
+              <a:off x="3263465" y="1394775"/>
+              <a:ext cx="360040" cy="396044"/>
+            </a:xfrm>
+            <a:prstGeom prst="arc">
+              <a:avLst>
+                <a:gd name="adj1" fmla="val 15538480"/>
+                <a:gd name="adj2" fmla="val 5376446"/>
+              </a:avLst>
+            </a:prstGeom>
+            <a:ln w="19050">
+              <a:solidFill>
+                <a:schemeClr val="tx1"/>
+              </a:solidFill>
+              <a:prstDash val="solid"/>
+            </a:ln>
+          </p:spPr>
+          <p:style>
+            <a:lnRef idx="1">
+              <a:schemeClr val="accent1"/>
+            </a:lnRef>
+            <a:fillRef idx="0">
+              <a:schemeClr val="accent1"/>
+            </a:fillRef>
+            <a:effectRef idx="0">
+              <a:schemeClr val="accent1"/>
+            </a:effectRef>
+            <a:fontRef idx="minor">
+              <a:schemeClr val="tx1"/>
+            </a:fontRef>
+          </p:style>
+          <p:txBody>
+            <a:bodyPr rtlCol="0" anchor="ctr"/>
+            <a:lstStyle/>
+            <a:p>
+              <a:pPr algn="ctr"/>
+              <a:endParaRPr lang="de-DE" dirty="0"/>
+            </a:p>
+          </p:txBody>
+        </p:sp>
+        <p:sp>
+          <p:nvSpPr>
+            <p:cNvPr id="78" name="Bogen 77"/>
+            <p:cNvSpPr/>
+            <p:nvPr/>
+          </p:nvSpPr>
+          <p:spPr>
+            <a:xfrm rot="11021761" flipH="1" flipV="1">
+              <a:off x="3288246" y="1784010"/>
+              <a:ext cx="360040" cy="396044"/>
+            </a:xfrm>
+            <a:prstGeom prst="arc">
+              <a:avLst>
+                <a:gd name="adj1" fmla="val 15538480"/>
+                <a:gd name="adj2" fmla="val 5376446"/>
+              </a:avLst>
+            </a:prstGeom>
+            <a:ln w="19050">
+              <a:solidFill>
+                <a:schemeClr val="tx1"/>
+              </a:solidFill>
+              <a:prstDash val="solid"/>
+            </a:ln>
+          </p:spPr>
+          <p:style>
+            <a:lnRef idx="1">
+              <a:schemeClr val="accent1"/>
+            </a:lnRef>
+            <a:fillRef idx="0">
+              <a:schemeClr val="accent1"/>
+            </a:fillRef>
+            <a:effectRef idx="0">
+              <a:schemeClr val="accent1"/>
+            </a:effectRef>
+            <a:fontRef idx="minor">
+              <a:schemeClr val="tx1"/>
+            </a:fontRef>
+          </p:style>
+          <p:txBody>
+            <a:bodyPr rtlCol="0" anchor="ctr"/>
+            <a:lstStyle/>
+            <a:p>
+              <a:pPr algn="ctr"/>
+              <a:endParaRPr lang="de-DE" dirty="0"/>
+            </a:p>
+          </p:txBody>
+        </p:sp>
+        <p:sp>
+          <p:nvSpPr>
+            <p:cNvPr id="79" name="Bogen 78"/>
+            <p:cNvSpPr/>
+            <p:nvPr/>
+          </p:nvSpPr>
+          <p:spPr>
+            <a:xfrm rot="11021761" flipH="1" flipV="1">
+              <a:off x="3288247" y="2170945"/>
+              <a:ext cx="360040" cy="396044"/>
+            </a:xfrm>
+            <a:prstGeom prst="arc">
+              <a:avLst>
+                <a:gd name="adj1" fmla="val 15538480"/>
+                <a:gd name="adj2" fmla="val 5376446"/>
+              </a:avLst>
+            </a:prstGeom>
+            <a:ln w="19050">
+              <a:solidFill>
+                <a:schemeClr val="tx1"/>
+              </a:solidFill>
+              <a:prstDash val="solid"/>
+            </a:ln>
+          </p:spPr>
+          <p:style>
+            <a:lnRef idx="1">
+              <a:schemeClr val="accent1"/>
+            </a:lnRef>
+            <a:fillRef idx="0">
+              <a:schemeClr val="accent1"/>
+            </a:fillRef>
+            <a:effectRef idx="0">
+              <a:schemeClr val="accent1"/>
+            </a:effectRef>
+            <a:fontRef idx="minor">
+              <a:schemeClr val="tx1"/>
+            </a:fontRef>
+          </p:style>
+          <p:txBody>
+            <a:bodyPr rtlCol="0" anchor="ctr"/>
+            <a:lstStyle/>
+            <a:p>
+              <a:pPr algn="ctr"/>
+              <a:endParaRPr lang="de-DE" dirty="0"/>
+            </a:p>
+          </p:txBody>
+        </p:sp>
+        <p:sp>
+          <p:nvSpPr>
+            <p:cNvPr id="80" name="Bogen 79"/>
+            <p:cNvSpPr/>
+            <p:nvPr/>
+          </p:nvSpPr>
+          <p:spPr>
+            <a:xfrm rot="11021761" flipH="1" flipV="1">
+              <a:off x="3288247" y="2576097"/>
+              <a:ext cx="360040" cy="396044"/>
+            </a:xfrm>
+            <a:prstGeom prst="arc">
+              <a:avLst>
+                <a:gd name="adj1" fmla="val 15538480"/>
+                <a:gd name="adj2" fmla="val 5376446"/>
+              </a:avLst>
+            </a:prstGeom>
+            <a:ln w="19050">
+              <a:solidFill>
+                <a:schemeClr val="tx1"/>
+              </a:solidFill>
+              <a:prstDash val="solid"/>
+            </a:ln>
+          </p:spPr>
+          <p:style>
+            <a:lnRef idx="1">
+              <a:schemeClr val="accent1"/>
+            </a:lnRef>
+            <a:fillRef idx="0">
+              <a:schemeClr val="accent1"/>
+            </a:fillRef>
+            <a:effectRef idx="0">
+              <a:schemeClr val="accent1"/>
+            </a:effectRef>
+            <a:fontRef idx="minor">
+              <a:schemeClr val="tx1"/>
+            </a:fontRef>
+          </p:style>
+          <p:txBody>
+            <a:bodyPr rtlCol="0" anchor="ctr"/>
+            <a:lstStyle/>
+            <a:p>
+              <a:pPr algn="ctr"/>
+              <a:endParaRPr lang="de-DE" dirty="0"/>
+            </a:p>
+          </p:txBody>
+        </p:sp>
+      </p:grpSp>
+      <p:sp>
+        <p:nvSpPr>
+          <p:cNvPr id="81" name="Textfeld 80"/>
+          <p:cNvSpPr txBox="1"/>
+          <p:nvPr/>
+        </p:nvSpPr>
+        <p:spPr>
+          <a:xfrm>
+            <a:off x="3951991" y="5432582"/>
+            <a:ext cx="402674" cy="400110"/>
+          </a:xfrm>
+          <a:prstGeom prst="rect">
+            <a:avLst/>
+          </a:prstGeom>
+          <a:noFill/>
+        </p:spPr>
+        <p:txBody>
+          <a:bodyPr wrap="none" rtlCol="0">
+            <a:spAutoFit/>
+          </a:bodyPr>
+          <a:lstStyle/>
+          <a:p>
+            <a:r>
+              <a:rPr lang="de-DE" sz="2000" i="1" dirty="0" smtClean="0">
+                <a:latin typeface="Times New Roman" pitchFamily="18" charset="0"/>
+                <a:cs typeface="Times New Roman" pitchFamily="18" charset="0"/>
+              </a:rPr>
+              <a:t>L</a:t>
+            </a:r>
+            <a:r>
+              <a:rPr lang="de-DE" sz="2000" i="1" baseline="-25000" dirty="0" smtClean="0">
+                <a:latin typeface="Times New Roman" pitchFamily="18" charset="0"/>
+                <a:cs typeface="Times New Roman" pitchFamily="18" charset="0"/>
+              </a:rPr>
+              <a:t>e</a:t>
+            </a:r>
+            <a:endParaRPr lang="de-DE" sz="2000" i="1" baseline="-25000" dirty="0">
+              <a:latin typeface="Times New Roman" pitchFamily="18" charset="0"/>
+              <a:cs typeface="Times New Roman" pitchFamily="18" charset="0"/>
+            </a:endParaRPr>
+          </a:p>
+        </p:txBody>
+      </p:sp>
+      <p:cxnSp>
+        <p:nvCxnSpPr>
+          <p:cNvPr id="82" name="Gerade Verbindung 81"/>
+          <p:cNvCxnSpPr/>
+          <p:nvPr/>
+        </p:nvCxnSpPr>
+        <p:spPr>
+          <a:xfrm>
+            <a:off x="2245595" y="6012860"/>
+            <a:ext cx="0" cy="432048"/>
+          </a:xfrm>
+          <a:prstGeom prst="line">
+            <a:avLst/>
+          </a:prstGeom>
+          <a:ln w="19050">
+            <a:solidFill>
+              <a:schemeClr val="tx1"/>
+            </a:solidFill>
+            <a:headEnd type="none" w="med" len="med"/>
+            <a:tailEnd type="none" w="med" len="med"/>
+          </a:ln>
+        </p:spPr>
+        <p:style>
+          <a:lnRef idx="1">
+            <a:schemeClr val="accent1"/>
+          </a:lnRef>
+          <a:fillRef idx="0">
+            <a:schemeClr val="accent1"/>
+          </a:fillRef>
+          <a:effectRef idx="0">
+            <a:schemeClr val="accent1"/>
+          </a:effectRef>
+          <a:fontRef idx="minor">
+            <a:schemeClr val="tx1"/>
+          </a:fontRef>
+        </p:style>
+      </p:cxnSp>
+      <p:cxnSp>
+        <p:nvCxnSpPr>
+          <p:cNvPr id="83" name="Gerade Verbindung 82"/>
+          <p:cNvCxnSpPr/>
+          <p:nvPr/>
+        </p:nvCxnSpPr>
+        <p:spPr>
+          <a:xfrm>
+            <a:off x="2029571" y="6444908"/>
+            <a:ext cx="432048" cy="0"/>
+          </a:xfrm>
+          <a:prstGeom prst="line">
+            <a:avLst/>
+          </a:prstGeom>
+          <a:ln w="19050">
+            <a:solidFill>
+              <a:schemeClr val="tx1"/>
+            </a:solidFill>
+          </a:ln>
+        </p:spPr>
+        <p:style>
+          <a:lnRef idx="1">
+            <a:schemeClr val="accent1"/>
+          </a:lnRef>
+          <a:fillRef idx="0">
+            <a:schemeClr val="accent1"/>
+          </a:fillRef>
+          <a:effectRef idx="0">
+            <a:schemeClr val="accent1"/>
+          </a:effectRef>
+          <a:fontRef idx="minor">
+            <a:schemeClr val="tx1"/>
+          </a:fontRef>
+        </p:style>
+      </p:cxnSp>
+      <p:cxnSp>
+        <p:nvCxnSpPr>
+          <p:cNvPr id="84" name="Gerade Verbindung 83"/>
+          <p:cNvCxnSpPr/>
+          <p:nvPr/>
+        </p:nvCxnSpPr>
+        <p:spPr>
+          <a:xfrm flipH="1">
+            <a:off x="2101579" y="6516916"/>
+            <a:ext cx="288032" cy="0"/>
+          </a:xfrm>
+          <a:prstGeom prst="line">
+            <a:avLst/>
+          </a:prstGeom>
+          <a:ln w="19050">
+            <a:solidFill>
+              <a:schemeClr val="tx1"/>
+            </a:solidFill>
+          </a:ln>
+        </p:spPr>
+        <p:style>
+          <a:lnRef idx="1">
+            <a:schemeClr val="accent1"/>
+          </a:lnRef>
+          <a:fillRef idx="0">
+            <a:schemeClr val="accent1"/>
+          </a:fillRef>
+          <a:effectRef idx="0">
+            <a:schemeClr val="accent1"/>
+          </a:effectRef>
+          <a:fontRef idx="minor">
+            <a:schemeClr val="tx1"/>
+          </a:fontRef>
+        </p:style>
+      </p:cxnSp>
+      <p:cxnSp>
+        <p:nvCxnSpPr>
+          <p:cNvPr id="85" name="Gerade Verbindung 84"/>
+          <p:cNvCxnSpPr/>
+          <p:nvPr/>
+        </p:nvCxnSpPr>
+        <p:spPr>
+          <a:xfrm flipH="1">
+            <a:off x="2173587" y="6588924"/>
+            <a:ext cx="144016" cy="0"/>
+          </a:xfrm>
+          <a:prstGeom prst="line">
+            <a:avLst/>
+          </a:prstGeom>
+          <a:ln w="19050">
+            <a:solidFill>
+              <a:schemeClr val="tx1"/>
+            </a:solidFill>
+          </a:ln>
+        </p:spPr>
+        <p:style>
+          <a:lnRef idx="1">
+            <a:schemeClr val="accent1"/>
+          </a:lnRef>
+          <a:fillRef idx="0">
+            <a:schemeClr val="accent1"/>
+          </a:fillRef>
+          <a:effectRef idx="0">
+            <a:schemeClr val="accent1"/>
+          </a:effectRef>
+          <a:fontRef idx="minor">
+            <a:schemeClr val="tx1"/>
+          </a:fontRef>
+        </p:style>
+      </p:cxnSp>
+      <p:sp>
+        <p:nvSpPr>
+          <p:cNvPr id="87" name="Textfeld 86"/>
+          <p:cNvSpPr txBox="1"/>
+          <p:nvPr/>
+        </p:nvSpPr>
+        <p:spPr>
+          <a:xfrm>
+            <a:off x="1957563" y="5432582"/>
+            <a:ext cx="504056" cy="338554"/>
+          </a:xfrm>
+          <a:prstGeom prst="rect">
+            <a:avLst/>
+          </a:prstGeom>
+          <a:noFill/>
+        </p:spPr>
+        <p:txBody>
+          <a:bodyPr wrap="square" rtlCol="0">
+            <a:spAutoFit/>
+          </a:bodyPr>
+          <a:lstStyle/>
+          <a:p>
+            <a:r>
+              <a:rPr lang="de-DE" sz="1600" dirty="0" smtClean="0">
+                <a:latin typeface="Arial" pitchFamily="34" charset="0"/>
+                <a:cs typeface="Arial" pitchFamily="34" charset="0"/>
+              </a:rPr>
+              <a:t>b)</a:t>
+            </a:r>
+            <a:endParaRPr lang="de-DE" sz="1600" dirty="0">
+              <a:latin typeface="Arial" pitchFamily="34" charset="0"/>
+              <a:cs typeface="Arial" pitchFamily="34" charset="0"/>
+            </a:endParaRPr>
+          </a:p>
+        </p:txBody>
+      </p:sp>
+      <p:grpSp>
+        <p:nvGrpSpPr>
+          <p:cNvPr id="88" name="Gruppieren 87"/>
+          <p:cNvGrpSpPr/>
+          <p:nvPr/>
+        </p:nvGrpSpPr>
+        <p:grpSpPr>
+          <a:xfrm>
+            <a:off x="2600645" y="5936638"/>
+            <a:ext cx="509046" cy="216024"/>
+            <a:chOff x="2406770" y="3212976"/>
+            <a:chExt cx="725070" cy="216024"/>
+          </a:xfrm>
+        </p:grpSpPr>
+        <p:sp>
+          <p:nvSpPr>
+            <p:cNvPr id="89" name="Rechteck 88"/>
+            <p:cNvSpPr/>
+            <p:nvPr/>
+          </p:nvSpPr>
+          <p:spPr>
+            <a:xfrm>
+              <a:off x="2411760" y="3212976"/>
+              <a:ext cx="720080" cy="216024"/>
+            </a:xfrm>
+            <a:prstGeom prst="rect">
+              <a:avLst/>
+            </a:prstGeom>
+            <a:solidFill>
+              <a:schemeClr val="bg1"/>
+            </a:solidFill>
+            <a:ln>
+              <a:noFill/>
+            </a:ln>
+          </p:spPr>
+          <p:style>
+            <a:lnRef idx="2">
+              <a:schemeClr val="accent1">
+                <a:shade val="50000"/>
+              </a:schemeClr>
+            </a:lnRef>
+            <a:fillRef idx="1">
+              <a:schemeClr val="accent1"/>
+            </a:fillRef>
+            <a:effectRef idx="0">
+              <a:schemeClr val="accent1"/>
+            </a:effectRef>
+            <a:fontRef idx="minor">
+              <a:schemeClr val="lt1"/>
+            </a:fontRef>
+          </p:style>
+          <p:txBody>
+            <a:bodyPr rtlCol="0" anchor="ctr"/>
+            <a:lstStyle/>
+            <a:p>
+              <a:pPr algn="ctr"/>
+              <a:endParaRPr lang="de-DE"/>
+            </a:p>
+          </p:txBody>
+        </p:sp>
+        <p:sp>
+          <p:nvSpPr>
+            <p:cNvPr id="90" name="Freihandform 89"/>
+            <p:cNvSpPr/>
+            <p:nvPr/>
+          </p:nvSpPr>
+          <p:spPr>
+            <a:xfrm>
+              <a:off x="2406770" y="3234906"/>
+              <a:ext cx="707366" cy="155275"/>
+            </a:xfrm>
+            <a:custGeom>
+              <a:avLst/>
+              <a:gdLst>
+                <a:gd name="connsiteX0" fmla="*/ 0 w 707366"/>
+                <a:gd name="connsiteY0" fmla="*/ 86264 h 155275"/>
+                <a:gd name="connsiteX1" fmla="*/ 69011 w 707366"/>
+                <a:gd name="connsiteY1" fmla="*/ 0 h 155275"/>
+                <a:gd name="connsiteX2" fmla="*/ 155275 w 707366"/>
+                <a:gd name="connsiteY2" fmla="*/ 155275 h 155275"/>
+                <a:gd name="connsiteX3" fmla="*/ 241539 w 707366"/>
+                <a:gd name="connsiteY3" fmla="*/ 8626 h 155275"/>
+                <a:gd name="connsiteX4" fmla="*/ 319177 w 707366"/>
+                <a:gd name="connsiteY4" fmla="*/ 155275 h 155275"/>
+                <a:gd name="connsiteX5" fmla="*/ 405441 w 707366"/>
+                <a:gd name="connsiteY5" fmla="*/ 8626 h 155275"/>
+                <a:gd name="connsiteX6" fmla="*/ 474453 w 707366"/>
+                <a:gd name="connsiteY6" fmla="*/ 155275 h 155275"/>
+                <a:gd name="connsiteX7" fmla="*/ 569343 w 707366"/>
+                <a:gd name="connsiteY7" fmla="*/ 8626 h 155275"/>
+                <a:gd name="connsiteX8" fmla="*/ 638355 w 707366"/>
+                <a:gd name="connsiteY8" fmla="*/ 155275 h 155275"/>
+                <a:gd name="connsiteX9" fmla="*/ 698739 w 707366"/>
+                <a:gd name="connsiteY9" fmla="*/ 60385 h 155275"/>
+                <a:gd name="connsiteX10" fmla="*/ 707366 w 707366"/>
+                <a:gd name="connsiteY10" fmla="*/ 60385 h 155275"/>
+              </a:gdLst>
+              <a:ahLst/>
+              <a:cxnLst>
+                <a:cxn ang="0">
+                  <a:pos x="connsiteX0" y="connsiteY0"/>
+                </a:cxn>
+                <a:cxn ang="0">
+                  <a:pos x="connsiteX1" y="connsiteY1"/>
+                </a:cxn>
+                <a:cxn ang="0">
+                  <a:pos x="connsiteX2" y="connsiteY2"/>
+                </a:cxn>
+                <a:cxn ang="0">
+                  <a:pos x="connsiteX3" y="connsiteY3"/>
+                </a:cxn>
+                <a:cxn ang="0">
+                  <a:pos x="connsiteX4" y="connsiteY4"/>
+                </a:cxn>
+                <a:cxn ang="0">
+                  <a:pos x="connsiteX5" y="connsiteY5"/>
+                </a:cxn>
+                <a:cxn ang="0">
+                  <a:pos x="connsiteX6" y="connsiteY6"/>
+                </a:cxn>
+                <a:cxn ang="0">
+                  <a:pos x="connsiteX7" y="connsiteY7"/>
+                </a:cxn>
+                <a:cxn ang="0">
+                  <a:pos x="connsiteX8" y="connsiteY8"/>
+                </a:cxn>
+                <a:cxn ang="0">
+                  <a:pos x="connsiteX9" y="connsiteY9"/>
+                </a:cxn>
+                <a:cxn ang="0">
+                  <a:pos x="connsiteX10" y="connsiteY10"/>
+                </a:cxn>
+              </a:cxnLst>
+              <a:rect l="l" t="t" r="r" b="b"/>
+              <a:pathLst>
+                <a:path w="707366" h="155275">
+                  <a:moveTo>
+                    <a:pt x="0" y="86264"/>
+                  </a:moveTo>
+                  <a:lnTo>
+                    <a:pt x="69011" y="0"/>
+                  </a:lnTo>
+                  <a:lnTo>
+                    <a:pt x="155275" y="155275"/>
+                  </a:lnTo>
+                  <a:lnTo>
+                    <a:pt x="241539" y="8626"/>
+                  </a:lnTo>
+                  <a:lnTo>
+                    <a:pt x="319177" y="155275"/>
+                  </a:lnTo>
+                  <a:lnTo>
+                    <a:pt x="405441" y="8626"/>
+                  </a:lnTo>
+                  <a:lnTo>
+                    <a:pt x="474453" y="155275"/>
+                  </a:lnTo>
+                  <a:lnTo>
+                    <a:pt x="569343" y="8626"/>
+                  </a:lnTo>
+                  <a:lnTo>
+                    <a:pt x="638355" y="155275"/>
+                  </a:lnTo>
+                  <a:lnTo>
+                    <a:pt x="698739" y="60385"/>
+                  </a:lnTo>
+                  <a:lnTo>
+                    <a:pt x="707366" y="60385"/>
+                  </a:lnTo>
+                </a:path>
+              </a:pathLst>
+            </a:custGeom>
+            <a:ln w="28575">
+              <a:solidFill>
+                <a:schemeClr val="tx1"/>
+              </a:solidFill>
+            </a:ln>
+          </p:spPr>
+          <p:style>
+            <a:lnRef idx="1">
+              <a:schemeClr val="accent1"/>
+            </a:lnRef>
+            <a:fillRef idx="0">
+              <a:schemeClr val="accent1"/>
+            </a:fillRef>
+            <a:effectRef idx="0">
+              <a:schemeClr val="accent1"/>
+            </a:effectRef>
+            <a:fontRef idx="minor">
+              <a:schemeClr val="tx1"/>
+            </a:fontRef>
+          </p:style>
+          <p:txBody>
+            <a:bodyPr rtlCol="0" anchor="ctr"/>
+            <a:lstStyle/>
+            <a:p>
+              <a:pPr algn="ctr"/>
+              <a:endParaRPr lang="de-DE"/>
+            </a:p>
+          </p:txBody>
+        </p:sp>
+      </p:grpSp>
+      <p:sp>
+        <p:nvSpPr>
+          <p:cNvPr id="91" name="Textfeld 90"/>
+          <p:cNvSpPr txBox="1"/>
+          <p:nvPr/>
+        </p:nvSpPr>
+        <p:spPr>
+          <a:xfrm>
+            <a:off x="2627784" y="5432582"/>
+            <a:ext cx="417102" cy="400110"/>
+          </a:xfrm>
+          <a:prstGeom prst="rect">
+            <a:avLst/>
+          </a:prstGeom>
+          <a:noFill/>
+        </p:spPr>
+        <p:txBody>
+          <a:bodyPr wrap="none" rtlCol="0">
+            <a:spAutoFit/>
+          </a:bodyPr>
+          <a:lstStyle/>
+          <a:p>
+            <a:r>
+              <a:rPr lang="de-DE" sz="2000" i="1" dirty="0" smtClean="0">
+                <a:latin typeface="Times New Roman" pitchFamily="18" charset="0"/>
+                <a:cs typeface="Times New Roman" pitchFamily="18" charset="0"/>
+              </a:rPr>
+              <a:t>R</a:t>
+            </a:r>
+            <a:r>
+              <a:rPr lang="de-DE" sz="2000" i="1" baseline="-25000" dirty="0" smtClean="0">
+                <a:latin typeface="Times New Roman" pitchFamily="18" charset="0"/>
+                <a:cs typeface="Times New Roman" pitchFamily="18" charset="0"/>
+              </a:rPr>
+              <a:t>e</a:t>
+            </a:r>
+            <a:endParaRPr lang="de-DE" sz="2000" i="1" baseline="-25000" dirty="0">
+              <a:latin typeface="Times New Roman" pitchFamily="18" charset="0"/>
+              <a:cs typeface="Times New Roman" pitchFamily="18" charset="0"/>
+            </a:endParaRPr>
+          </a:p>
+        </p:txBody>
+      </p:sp>
+      <p:sp>
+        <p:nvSpPr>
+          <p:cNvPr id="92" name="Textfeld 91"/>
+          <p:cNvSpPr txBox="1"/>
+          <p:nvPr/>
+        </p:nvSpPr>
+        <p:spPr>
+          <a:xfrm>
+            <a:off x="1979712" y="3645024"/>
+            <a:ext cx="504056" cy="338554"/>
+          </a:xfrm>
+          <a:prstGeom prst="rect">
+            <a:avLst/>
+          </a:prstGeom>
+          <a:noFill/>
+        </p:spPr>
+        <p:txBody>
+          <a:bodyPr wrap="square" rtlCol="0">
+            <a:spAutoFit/>
+          </a:bodyPr>
+          <a:lstStyle/>
+          <a:p>
+            <a:r>
+              <a:rPr lang="de-DE" sz="1600" dirty="0" smtClean="0">
+                <a:latin typeface="Arial" pitchFamily="34" charset="0"/>
+                <a:cs typeface="Arial" pitchFamily="34" charset="0"/>
+              </a:rPr>
+              <a:t>a</a:t>
+            </a:r>
+            <a:r>
+              <a:rPr lang="de-DE" sz="1600" dirty="0" smtClean="0">
+                <a:latin typeface="Arial" pitchFamily="34" charset="0"/>
+                <a:cs typeface="Arial" pitchFamily="34" charset="0"/>
+              </a:rPr>
+              <a:t>)</a:t>
+            </a:r>
+            <a:endParaRPr lang="de-DE" sz="1600" dirty="0">
+              <a:latin typeface="Arial" pitchFamily="34" charset="0"/>
+              <a:cs typeface="Arial" pitchFamily="34" charset="0"/>
             </a:endParaRPr>
           </a:p>
         </p:txBody>

--- a/material/figures/introduction/jba.pptx
+++ b/material/figures/introduction/jba.pptx
@@ -289,7 +289,7 @@
             <a:fld id="{E233F2FC-336D-4AEC-8E34-B26C5DCCE050}" type="datetimeFigureOut">
               <a:rPr lang="de-DE" smtClean="0"/>
               <a:pPr/>
-              <a:t>23.07.2012</a:t>
+              <a:t>25.09.2012</a:t>
             </a:fld>
             <a:endParaRPr lang="de-DE"/>
           </a:p>
@@ -456,7 +456,7 @@
             <a:fld id="{E233F2FC-336D-4AEC-8E34-B26C5DCCE050}" type="datetimeFigureOut">
               <a:rPr lang="de-DE" smtClean="0"/>
               <a:pPr/>
-              <a:t>23.07.2012</a:t>
+              <a:t>25.09.2012</a:t>
             </a:fld>
             <a:endParaRPr lang="de-DE"/>
           </a:p>
@@ -633,7 +633,7 @@
             <a:fld id="{E233F2FC-336D-4AEC-8E34-B26C5DCCE050}" type="datetimeFigureOut">
               <a:rPr lang="de-DE" smtClean="0"/>
               <a:pPr/>
-              <a:t>23.07.2012</a:t>
+              <a:t>25.09.2012</a:t>
             </a:fld>
             <a:endParaRPr lang="de-DE"/>
           </a:p>
@@ -800,7 +800,7 @@
             <a:fld id="{E233F2FC-336D-4AEC-8E34-B26C5DCCE050}" type="datetimeFigureOut">
               <a:rPr lang="de-DE" smtClean="0"/>
               <a:pPr/>
-              <a:t>23.07.2012</a:t>
+              <a:t>25.09.2012</a:t>
             </a:fld>
             <a:endParaRPr lang="de-DE"/>
           </a:p>
@@ -1043,7 +1043,7 @@
             <a:fld id="{E233F2FC-336D-4AEC-8E34-B26C5DCCE050}" type="datetimeFigureOut">
               <a:rPr lang="de-DE" smtClean="0"/>
               <a:pPr/>
-              <a:t>23.07.2012</a:t>
+              <a:t>25.09.2012</a:t>
             </a:fld>
             <a:endParaRPr lang="de-DE"/>
           </a:p>
@@ -1328,7 +1328,7 @@
             <a:fld id="{E233F2FC-336D-4AEC-8E34-B26C5DCCE050}" type="datetimeFigureOut">
               <a:rPr lang="de-DE" smtClean="0"/>
               <a:pPr/>
-              <a:t>23.07.2012</a:t>
+              <a:t>25.09.2012</a:t>
             </a:fld>
             <a:endParaRPr lang="de-DE"/>
           </a:p>
@@ -1747,7 +1747,7 @@
             <a:fld id="{E233F2FC-336D-4AEC-8E34-B26C5DCCE050}" type="datetimeFigureOut">
               <a:rPr lang="de-DE" smtClean="0"/>
               <a:pPr/>
-              <a:t>23.07.2012</a:t>
+              <a:t>25.09.2012</a:t>
             </a:fld>
             <a:endParaRPr lang="de-DE"/>
           </a:p>
@@ -1862,7 +1862,7 @@
             <a:fld id="{E233F2FC-336D-4AEC-8E34-B26C5DCCE050}" type="datetimeFigureOut">
               <a:rPr lang="de-DE" smtClean="0"/>
               <a:pPr/>
-              <a:t>23.07.2012</a:t>
+              <a:t>25.09.2012</a:t>
             </a:fld>
             <a:endParaRPr lang="de-DE"/>
           </a:p>
@@ -1954,7 +1954,7 @@
             <a:fld id="{E233F2FC-336D-4AEC-8E34-B26C5DCCE050}" type="datetimeFigureOut">
               <a:rPr lang="de-DE" smtClean="0"/>
               <a:pPr/>
-              <a:t>23.07.2012</a:t>
+              <a:t>25.09.2012</a:t>
             </a:fld>
             <a:endParaRPr lang="de-DE"/>
           </a:p>
@@ -2228,7 +2228,7 @@
             <a:fld id="{E233F2FC-336D-4AEC-8E34-B26C5DCCE050}" type="datetimeFigureOut">
               <a:rPr lang="de-DE" smtClean="0"/>
               <a:pPr/>
-              <a:t>23.07.2012</a:t>
+              <a:t>25.09.2012</a:t>
             </a:fld>
             <a:endParaRPr lang="de-DE"/>
           </a:p>
@@ -2478,7 +2478,7 @@
             <a:fld id="{E233F2FC-336D-4AEC-8E34-B26C5DCCE050}" type="datetimeFigureOut">
               <a:rPr lang="de-DE" smtClean="0"/>
               <a:pPr/>
-              <a:t>23.07.2012</a:t>
+              <a:t>25.09.2012</a:t>
             </a:fld>
             <a:endParaRPr lang="de-DE"/>
           </a:p>
@@ -2688,7 +2688,7 @@
             <a:fld id="{E233F2FC-336D-4AEC-8E34-B26C5DCCE050}" type="datetimeFigureOut">
               <a:rPr lang="de-DE" smtClean="0"/>
               <a:pPr/>
-              <a:t>23.07.2012</a:t>
+              <a:t>25.09.2012</a:t>
             </a:fld>
             <a:endParaRPr lang="de-DE"/>
           </a:p>
@@ -3059,91 +3059,6 @@
           <a:chExt cx="0" cy="0"/>
         </a:xfrm>
       </p:grpSpPr>
-      <p:grpSp>
-        <p:nvGrpSpPr>
-          <p:cNvPr id="59" name="Gruppieren 58"/>
-          <p:cNvGrpSpPr/>
-          <p:nvPr/>
-        </p:nvGrpSpPr>
-        <p:grpSpPr>
-          <a:xfrm rot="16200000">
-            <a:off x="5992709" y="4658509"/>
-            <a:ext cx="288032" cy="72008"/>
-            <a:chOff x="4427984" y="3573016"/>
-            <a:chExt cx="288032" cy="72008"/>
-          </a:xfrm>
-        </p:grpSpPr>
-        <p:cxnSp>
-          <p:nvCxnSpPr>
-            <p:cNvPr id="26" name="Gerade Verbindung 25"/>
-            <p:cNvCxnSpPr/>
-            <p:nvPr/>
-          </p:nvCxnSpPr>
-          <p:spPr>
-            <a:xfrm>
-              <a:off x="4427984" y="3645024"/>
-              <a:ext cx="288032" cy="0"/>
-            </a:xfrm>
-            <a:prstGeom prst="line">
-              <a:avLst/>
-            </a:prstGeom>
-            <a:ln w="19050">
-              <a:solidFill>
-                <a:schemeClr val="tx1"/>
-              </a:solidFill>
-            </a:ln>
-          </p:spPr>
-          <p:style>
-            <a:lnRef idx="1">
-              <a:schemeClr val="accent1"/>
-            </a:lnRef>
-            <a:fillRef idx="0">
-              <a:schemeClr val="accent1"/>
-            </a:fillRef>
-            <a:effectRef idx="0">
-              <a:schemeClr val="accent1"/>
-            </a:effectRef>
-            <a:fontRef idx="minor">
-              <a:schemeClr val="tx1"/>
-            </a:fontRef>
-          </p:style>
-        </p:cxnSp>
-        <p:cxnSp>
-          <p:nvCxnSpPr>
-            <p:cNvPr id="27" name="Gerade Verbindung 26"/>
-            <p:cNvCxnSpPr/>
-            <p:nvPr/>
-          </p:nvCxnSpPr>
-          <p:spPr>
-            <a:xfrm>
-              <a:off x="4427984" y="3573016"/>
-              <a:ext cx="288032" cy="0"/>
-            </a:xfrm>
-            <a:prstGeom prst="line">
-              <a:avLst/>
-            </a:prstGeom>
-            <a:ln w="19050">
-              <a:solidFill>
-                <a:schemeClr val="tx1"/>
-              </a:solidFill>
-            </a:ln>
-          </p:spPr>
-          <p:style>
-            <a:lnRef idx="1">
-              <a:schemeClr val="accent1"/>
-            </a:lnRef>
-            <a:fillRef idx="0">
-              <a:schemeClr val="accent1"/>
-            </a:fillRef>
-            <a:effectRef idx="0">
-              <a:schemeClr val="accent1"/>
-            </a:effectRef>
-            <a:fontRef idx="minor">
-              <a:schemeClr val="tx1"/>
-            </a:fontRef>
-          </p:style>
-        </p:cxnSp>
-      </p:grpSp>
       <p:cxnSp>
         <p:nvCxnSpPr>
           <p:cNvPr id="28" name="Gerade Verbindung 27"/>
@@ -3152,7 +3067,7 @@
         </p:nvCxnSpPr>
         <p:spPr>
           <a:xfrm>
-            <a:off x="2194663" y="4681552"/>
+            <a:off x="2194663" y="4384586"/>
             <a:ext cx="0" cy="360040"/>
           </a:xfrm>
           <a:prstGeom prst="line">
@@ -3189,7 +3104,7 @@
         </p:nvCxnSpPr>
         <p:spPr>
           <a:xfrm>
-            <a:off x="1972888" y="5041592"/>
+            <a:off x="1972888" y="5240702"/>
             <a:ext cx="432048" cy="0"/>
           </a:xfrm>
           <a:prstGeom prst="line">
@@ -3224,7 +3139,7 @@
         </p:nvCxnSpPr>
         <p:spPr>
           <a:xfrm flipH="1">
-            <a:off x="2044896" y="5113600"/>
+            <a:off x="2044896" y="5312710"/>
             <a:ext cx="288032" cy="0"/>
           </a:xfrm>
           <a:prstGeom prst="line">
@@ -3259,7 +3174,7 @@
         </p:nvCxnSpPr>
         <p:spPr>
           <a:xfrm flipH="1">
-            <a:off x="2116904" y="5185608"/>
+            <a:off x="2116904" y="5384718"/>
             <a:ext cx="144016" cy="0"/>
           </a:xfrm>
           <a:prstGeom prst="line">
@@ -3294,7 +3209,7 @@
         </p:nvGrpSpPr>
         <p:grpSpPr>
           <a:xfrm>
-            <a:off x="2476857" y="4494097"/>
+            <a:off x="2002716" y="4730709"/>
             <a:ext cx="401841" cy="371728"/>
             <a:chOff x="4851122" y="2121168"/>
             <a:chExt cx="401841" cy="371728"/>
@@ -3413,7 +3328,7 @@
         </p:nvCxnSpPr>
         <p:spPr>
           <a:xfrm>
-            <a:off x="6180240" y="4693054"/>
+            <a:off x="5963156" y="4396088"/>
             <a:ext cx="288032" cy="0"/>
           </a:xfrm>
           <a:prstGeom prst="line">
@@ -3448,7 +3363,7 @@
         </p:nvCxnSpPr>
         <p:spPr>
           <a:xfrm flipH="1">
-            <a:off x="2194663" y="4687303"/>
+            <a:off x="2194663" y="4390337"/>
             <a:ext cx="288032" cy="0"/>
           </a:xfrm>
           <a:prstGeom prst="line">
@@ -3477,91 +3392,13 @@
       </p:cxnSp>
       <p:sp>
         <p:nvSpPr>
-          <p:cNvPr id="38" name="Textfeld 37"/>
-          <p:cNvSpPr txBox="1"/>
-          <p:nvPr/>
-        </p:nvSpPr>
-        <p:spPr>
-          <a:xfrm>
-            <a:off x="5900686" y="4037002"/>
-            <a:ext cx="441146" cy="400110"/>
-          </a:xfrm>
-          <a:prstGeom prst="rect">
-            <a:avLst/>
-          </a:prstGeom>
-          <a:noFill/>
-        </p:spPr>
-        <p:txBody>
-          <a:bodyPr wrap="none" rtlCol="0">
-            <a:spAutoFit/>
-          </a:bodyPr>
-          <a:lstStyle/>
-          <a:p>
-            <a:r>
-              <a:rPr lang="de-DE" sz="2000" i="1" dirty="0" err="1" smtClean="0">
-                <a:latin typeface="Times New Roman" pitchFamily="18" charset="0"/>
-                <a:cs typeface="Times New Roman" pitchFamily="18" charset="0"/>
-              </a:rPr>
-              <a:t>C</a:t>
-            </a:r>
-            <a:r>
-              <a:rPr lang="de-DE" sz="2000" i="1" baseline="-25000" dirty="0" err="1" smtClean="0">
-                <a:latin typeface="Times New Roman" pitchFamily="18" charset="0"/>
-                <a:cs typeface="Times New Roman" pitchFamily="18" charset="0"/>
-              </a:rPr>
-              <a:t>g</a:t>
-            </a:r>
-            <a:endParaRPr lang="de-DE" sz="2000" i="1" baseline="-25000" dirty="0">
-              <a:latin typeface="Times New Roman" pitchFamily="18" charset="0"/>
-              <a:cs typeface="Times New Roman" pitchFamily="18" charset="0"/>
-            </a:endParaRPr>
-          </a:p>
-        </p:txBody>
-      </p:sp>
-      <p:cxnSp>
-        <p:nvCxnSpPr>
-          <p:cNvPr id="40" name="Gerade Verbindung 39"/>
-          <p:cNvCxnSpPr/>
-          <p:nvPr/>
-        </p:nvCxnSpPr>
-        <p:spPr>
-          <a:xfrm flipH="1">
-            <a:off x="5959966" y="4689229"/>
-            <a:ext cx="127859" cy="0"/>
-          </a:xfrm>
-          <a:prstGeom prst="line">
-            <a:avLst/>
-          </a:prstGeom>
-          <a:ln w="19050">
-            <a:solidFill>
-              <a:schemeClr val="tx1"/>
-            </a:solidFill>
-          </a:ln>
-        </p:spPr>
-        <p:style>
-          <a:lnRef idx="1">
-            <a:schemeClr val="accent1"/>
-          </a:lnRef>
-          <a:fillRef idx="0">
-            <a:schemeClr val="accent1"/>
-          </a:fillRef>
-          <a:effectRef idx="0">
-            <a:schemeClr val="accent1"/>
-          </a:effectRef>
-          <a:fontRef idx="minor">
-            <a:schemeClr val="tx1"/>
-          </a:fontRef>
-        </p:style>
-      </p:cxnSp>
-      <p:sp>
-        <p:nvSpPr>
           <p:cNvPr id="41" name="Ellipse 40"/>
           <p:cNvSpPr/>
           <p:nvPr/>
         </p:nvSpPr>
         <p:spPr>
           <a:xfrm>
-            <a:off x="3411165" y="4581059"/>
+            <a:off x="3411165" y="4284093"/>
             <a:ext cx="127859" cy="216024"/>
           </a:xfrm>
           <a:prstGeom prst="ellipse">
@@ -3609,7 +3446,7 @@
         </p:nvCxnSpPr>
         <p:spPr>
           <a:xfrm flipV="1">
-            <a:off x="3474764" y="4581128"/>
+            <a:off x="3474764" y="4284162"/>
             <a:ext cx="946396" cy="919"/>
           </a:xfrm>
           <a:prstGeom prst="line">
@@ -3646,7 +3483,7 @@
         </p:nvCxnSpPr>
         <p:spPr>
           <a:xfrm>
-            <a:off x="3479771" y="4797152"/>
+            <a:off x="3479771" y="4500186"/>
             <a:ext cx="950353" cy="3280"/>
           </a:xfrm>
           <a:prstGeom prst="line">
@@ -3681,7 +3518,7 @@
         </p:nvSpPr>
         <p:spPr>
           <a:xfrm>
-            <a:off x="4330618" y="4581128"/>
+            <a:off x="4330618" y="4284162"/>
             <a:ext cx="192905" cy="219359"/>
           </a:xfrm>
           <a:prstGeom prst="arc">
@@ -3727,7 +3564,7 @@
         </p:nvCxnSpPr>
         <p:spPr>
           <a:xfrm>
-            <a:off x="3799671" y="4807702"/>
+            <a:off x="3799671" y="4510736"/>
             <a:ext cx="740" cy="251143"/>
           </a:xfrm>
           <a:prstGeom prst="line">
@@ -3762,7 +3599,7 @@
         </p:nvCxnSpPr>
         <p:spPr>
           <a:xfrm>
-            <a:off x="3602953" y="5058845"/>
+            <a:off x="3602953" y="4761879"/>
             <a:ext cx="383577" cy="0"/>
           </a:xfrm>
           <a:prstGeom prst="line">
@@ -3797,7 +3634,7 @@
         </p:nvCxnSpPr>
         <p:spPr>
           <a:xfrm>
-            <a:off x="3666883" y="5130853"/>
+            <a:off x="3666883" y="4833887"/>
             <a:ext cx="255718" cy="0"/>
           </a:xfrm>
           <a:prstGeom prst="line">
@@ -3832,7 +3669,7 @@
         </p:nvCxnSpPr>
         <p:spPr>
           <a:xfrm>
-            <a:off x="3730812" y="5202861"/>
+            <a:off x="3730812" y="4905895"/>
             <a:ext cx="127859" cy="0"/>
           </a:xfrm>
           <a:prstGeom prst="line">
@@ -3867,7 +3704,7 @@
         </p:nvCxnSpPr>
         <p:spPr>
           <a:xfrm flipH="1">
-            <a:off x="3214791" y="4684063"/>
+            <a:off x="3214791" y="4387097"/>
             <a:ext cx="255717" cy="0"/>
           </a:xfrm>
           <a:prstGeom prst="line">
@@ -3902,7 +3739,7 @@
         </p:nvGrpSpPr>
         <p:grpSpPr>
           <a:xfrm rot="16200000">
-            <a:off x="3035107" y="4647917"/>
+            <a:off x="3035107" y="4350951"/>
             <a:ext cx="288032" cy="72008"/>
             <a:chOff x="4427984" y="3573016"/>
             <a:chExt cx="288032" cy="72008"/>
@@ -3987,7 +3824,7 @@
         </p:nvCxnSpPr>
         <p:spPr>
           <a:xfrm>
-            <a:off x="2851482" y="4684307"/>
+            <a:off x="2851482" y="4387341"/>
             <a:ext cx="288032" cy="0"/>
           </a:xfrm>
           <a:prstGeom prst="line">
@@ -4022,7 +3859,7 @@
         </p:nvSpPr>
         <p:spPr>
           <a:xfrm>
-            <a:off x="2912737" y="4013998"/>
+            <a:off x="2912737" y="3717032"/>
             <a:ext cx="489236" cy="400110"/>
           </a:xfrm>
           <a:prstGeom prst="rect">
@@ -4065,7 +3902,7 @@
         </p:nvSpPr>
         <p:spPr>
           <a:xfrm>
-            <a:off x="4853208" y="4581059"/>
+            <a:off x="4853208" y="4284093"/>
             <a:ext cx="127859" cy="216024"/>
           </a:xfrm>
           <a:prstGeom prst="ellipse">
@@ -4113,7 +3950,7 @@
         </p:nvCxnSpPr>
         <p:spPr>
           <a:xfrm flipV="1">
-            <a:off x="4916807" y="4581128"/>
+            <a:off x="4916807" y="4284162"/>
             <a:ext cx="946396" cy="919"/>
           </a:xfrm>
           <a:prstGeom prst="line">
@@ -4150,7 +3987,7 @@
         </p:nvCxnSpPr>
         <p:spPr>
           <a:xfrm>
-            <a:off x="4921814" y="4797152"/>
+            <a:off x="4921814" y="4500186"/>
             <a:ext cx="950353" cy="3280"/>
           </a:xfrm>
           <a:prstGeom prst="line">
@@ -4185,7 +4022,7 @@
         </p:nvSpPr>
         <p:spPr>
           <a:xfrm>
-            <a:off x="5772661" y="4581128"/>
+            <a:off x="5772661" y="4284162"/>
             <a:ext cx="192905" cy="219359"/>
           </a:xfrm>
           <a:prstGeom prst="arc">
@@ -4231,7 +4068,7 @@
         </p:nvCxnSpPr>
         <p:spPr>
           <a:xfrm rot="16200000">
-            <a:off x="4599466" y="4584938"/>
+            <a:off x="4599466" y="4287972"/>
             <a:ext cx="216024" cy="216024"/>
           </a:xfrm>
           <a:prstGeom prst="line">
@@ -4266,7 +4103,7 @@
         </p:nvCxnSpPr>
         <p:spPr>
           <a:xfrm rot="16200000" flipV="1">
-            <a:off x="4599466" y="4584938"/>
+            <a:off x="4599466" y="4287972"/>
             <a:ext cx="216024" cy="216024"/>
           </a:xfrm>
           <a:prstGeom prst="line">
@@ -4301,7 +4138,7 @@
         </p:nvCxnSpPr>
         <p:spPr>
           <a:xfrm>
-            <a:off x="4517928" y="4690492"/>
+            <a:off x="4517928" y="4393526"/>
             <a:ext cx="403860" cy="0"/>
           </a:xfrm>
           <a:prstGeom prst="line">
@@ -4336,7 +4173,7 @@
         </p:nvSpPr>
         <p:spPr>
           <a:xfrm>
-            <a:off x="6444208" y="4659960"/>
+            <a:off x="6227124" y="4362994"/>
             <a:ext cx="72008" cy="72008"/>
           </a:xfrm>
           <a:prstGeom prst="ellipse">
@@ -4384,7 +4221,7 @@
         </p:nvSpPr>
         <p:spPr>
           <a:xfrm>
-            <a:off x="4503737" y="4013998"/>
+            <a:off x="4503737" y="3717032"/>
             <a:ext cx="417102" cy="400110"/>
           </a:xfrm>
           <a:prstGeom prst="rect">
@@ -5776,18 +5613,293 @@
                 <a:latin typeface="Arial" pitchFamily="34" charset="0"/>
                 <a:cs typeface="Arial" pitchFamily="34" charset="0"/>
               </a:rPr>
-              <a:t>a</a:t>
-            </a:r>
-            <a:r>
-              <a:rPr lang="de-DE" sz="1600" dirty="0" smtClean="0">
-                <a:latin typeface="Arial" pitchFamily="34" charset="0"/>
-                <a:cs typeface="Arial" pitchFamily="34" charset="0"/>
-              </a:rPr>
-              <a:t>)</a:t>
+              <a:t>a)</a:t>
             </a:r>
             <a:endParaRPr lang="de-DE" sz="1600" dirty="0">
               <a:latin typeface="Arial" pitchFamily="34" charset="0"/>
               <a:cs typeface="Arial" pitchFamily="34" charset="0"/>
+            </a:endParaRPr>
+          </a:p>
+        </p:txBody>
+      </p:sp>
+      <p:cxnSp>
+        <p:nvCxnSpPr>
+          <p:cNvPr id="86" name="Gerade Verbindung 85"/>
+          <p:cNvCxnSpPr/>
+          <p:nvPr/>
+        </p:nvCxnSpPr>
+        <p:spPr>
+          <a:xfrm flipV="1">
+            <a:off x="2195736" y="5093931"/>
+            <a:ext cx="0" cy="144016"/>
+          </a:xfrm>
+          <a:prstGeom prst="line">
+            <a:avLst/>
+          </a:prstGeom>
+          <a:ln w="19050">
+            <a:solidFill>
+              <a:schemeClr val="tx1"/>
+            </a:solidFill>
+            <a:headEnd type="none" w="med" len="med"/>
+            <a:tailEnd type="none" w="med" len="med"/>
+          </a:ln>
+        </p:spPr>
+        <p:style>
+          <a:lnRef idx="1">
+            <a:schemeClr val="accent1"/>
+          </a:lnRef>
+          <a:fillRef idx="0">
+            <a:schemeClr val="accent1"/>
+          </a:fillRef>
+          <a:effectRef idx="0">
+            <a:schemeClr val="accent1"/>
+          </a:effectRef>
+          <a:fontRef idx="minor">
+            <a:schemeClr val="tx1"/>
+          </a:fontRef>
+        </p:style>
+      </p:cxnSp>
+      <p:grpSp>
+        <p:nvGrpSpPr>
+          <p:cNvPr id="94" name="Gruppieren 93"/>
+          <p:cNvGrpSpPr/>
+          <p:nvPr/>
+        </p:nvGrpSpPr>
+        <p:grpSpPr>
+          <a:xfrm>
+            <a:off x="2411760" y="4293096"/>
+            <a:ext cx="509046" cy="216024"/>
+            <a:chOff x="2406770" y="3212976"/>
+            <a:chExt cx="725070" cy="216024"/>
+          </a:xfrm>
+        </p:grpSpPr>
+        <p:sp>
+          <p:nvSpPr>
+            <p:cNvPr id="95" name="Rechteck 94"/>
+            <p:cNvSpPr/>
+            <p:nvPr/>
+          </p:nvSpPr>
+          <p:spPr>
+            <a:xfrm>
+              <a:off x="2411760" y="3212976"/>
+              <a:ext cx="720080" cy="216024"/>
+            </a:xfrm>
+            <a:prstGeom prst="rect">
+              <a:avLst/>
+            </a:prstGeom>
+            <a:solidFill>
+              <a:schemeClr val="bg1"/>
+            </a:solidFill>
+            <a:ln>
+              <a:noFill/>
+            </a:ln>
+          </p:spPr>
+          <p:style>
+            <a:lnRef idx="2">
+              <a:schemeClr val="accent1">
+                <a:shade val="50000"/>
+              </a:schemeClr>
+            </a:lnRef>
+            <a:fillRef idx="1">
+              <a:schemeClr val="accent1"/>
+            </a:fillRef>
+            <a:effectRef idx="0">
+              <a:schemeClr val="accent1"/>
+            </a:effectRef>
+            <a:fontRef idx="minor">
+              <a:schemeClr val="lt1"/>
+            </a:fontRef>
+          </p:style>
+          <p:txBody>
+            <a:bodyPr rtlCol="0" anchor="ctr"/>
+            <a:lstStyle/>
+            <a:p>
+              <a:pPr algn="ctr"/>
+              <a:endParaRPr lang="de-DE"/>
+            </a:p>
+          </p:txBody>
+        </p:sp>
+        <p:sp>
+          <p:nvSpPr>
+            <p:cNvPr id="96" name="Freihandform 95"/>
+            <p:cNvSpPr/>
+            <p:nvPr/>
+          </p:nvSpPr>
+          <p:spPr>
+            <a:xfrm>
+              <a:off x="2406770" y="3234906"/>
+              <a:ext cx="707366" cy="155275"/>
+            </a:xfrm>
+            <a:custGeom>
+              <a:avLst/>
+              <a:gdLst>
+                <a:gd name="connsiteX0" fmla="*/ 0 w 707366"/>
+                <a:gd name="connsiteY0" fmla="*/ 86264 h 155275"/>
+                <a:gd name="connsiteX1" fmla="*/ 69011 w 707366"/>
+                <a:gd name="connsiteY1" fmla="*/ 0 h 155275"/>
+                <a:gd name="connsiteX2" fmla="*/ 155275 w 707366"/>
+                <a:gd name="connsiteY2" fmla="*/ 155275 h 155275"/>
+                <a:gd name="connsiteX3" fmla="*/ 241539 w 707366"/>
+                <a:gd name="connsiteY3" fmla="*/ 8626 h 155275"/>
+                <a:gd name="connsiteX4" fmla="*/ 319177 w 707366"/>
+                <a:gd name="connsiteY4" fmla="*/ 155275 h 155275"/>
+                <a:gd name="connsiteX5" fmla="*/ 405441 w 707366"/>
+                <a:gd name="connsiteY5" fmla="*/ 8626 h 155275"/>
+                <a:gd name="connsiteX6" fmla="*/ 474453 w 707366"/>
+                <a:gd name="connsiteY6" fmla="*/ 155275 h 155275"/>
+                <a:gd name="connsiteX7" fmla="*/ 569343 w 707366"/>
+                <a:gd name="connsiteY7" fmla="*/ 8626 h 155275"/>
+                <a:gd name="connsiteX8" fmla="*/ 638355 w 707366"/>
+                <a:gd name="connsiteY8" fmla="*/ 155275 h 155275"/>
+                <a:gd name="connsiteX9" fmla="*/ 698739 w 707366"/>
+                <a:gd name="connsiteY9" fmla="*/ 60385 h 155275"/>
+                <a:gd name="connsiteX10" fmla="*/ 707366 w 707366"/>
+                <a:gd name="connsiteY10" fmla="*/ 60385 h 155275"/>
+              </a:gdLst>
+              <a:ahLst/>
+              <a:cxnLst>
+                <a:cxn ang="0">
+                  <a:pos x="connsiteX0" y="connsiteY0"/>
+                </a:cxn>
+                <a:cxn ang="0">
+                  <a:pos x="connsiteX1" y="connsiteY1"/>
+                </a:cxn>
+                <a:cxn ang="0">
+                  <a:pos x="connsiteX2" y="connsiteY2"/>
+                </a:cxn>
+                <a:cxn ang="0">
+                  <a:pos x="connsiteX3" y="connsiteY3"/>
+                </a:cxn>
+                <a:cxn ang="0">
+                  <a:pos x="connsiteX4" y="connsiteY4"/>
+                </a:cxn>
+                <a:cxn ang="0">
+                  <a:pos x="connsiteX5" y="connsiteY5"/>
+                </a:cxn>
+                <a:cxn ang="0">
+                  <a:pos x="connsiteX6" y="connsiteY6"/>
+                </a:cxn>
+                <a:cxn ang="0">
+                  <a:pos x="connsiteX7" y="connsiteY7"/>
+                </a:cxn>
+                <a:cxn ang="0">
+                  <a:pos x="connsiteX8" y="connsiteY8"/>
+                </a:cxn>
+                <a:cxn ang="0">
+                  <a:pos x="connsiteX9" y="connsiteY9"/>
+                </a:cxn>
+                <a:cxn ang="0">
+                  <a:pos x="connsiteX10" y="connsiteY10"/>
+                </a:cxn>
+              </a:cxnLst>
+              <a:rect l="l" t="t" r="r" b="b"/>
+              <a:pathLst>
+                <a:path w="707366" h="155275">
+                  <a:moveTo>
+                    <a:pt x="0" y="86264"/>
+                  </a:moveTo>
+                  <a:lnTo>
+                    <a:pt x="69011" y="0"/>
+                  </a:lnTo>
+                  <a:lnTo>
+                    <a:pt x="155275" y="155275"/>
+                  </a:lnTo>
+                  <a:lnTo>
+                    <a:pt x="241539" y="8626"/>
+                  </a:lnTo>
+                  <a:lnTo>
+                    <a:pt x="319177" y="155275"/>
+                  </a:lnTo>
+                  <a:lnTo>
+                    <a:pt x="405441" y="8626"/>
+                  </a:lnTo>
+                  <a:lnTo>
+                    <a:pt x="474453" y="155275"/>
+                  </a:lnTo>
+                  <a:lnTo>
+                    <a:pt x="569343" y="8626"/>
+                  </a:lnTo>
+                  <a:lnTo>
+                    <a:pt x="638355" y="155275"/>
+                  </a:lnTo>
+                  <a:lnTo>
+                    <a:pt x="698739" y="60385"/>
+                  </a:lnTo>
+                  <a:lnTo>
+                    <a:pt x="707366" y="60385"/>
+                  </a:lnTo>
+                </a:path>
+              </a:pathLst>
+            </a:custGeom>
+            <a:ln w="28575">
+              <a:solidFill>
+                <a:schemeClr val="tx1"/>
+              </a:solidFill>
+            </a:ln>
+          </p:spPr>
+          <p:style>
+            <a:lnRef idx="1">
+              <a:schemeClr val="accent1"/>
+            </a:lnRef>
+            <a:fillRef idx="0">
+              <a:schemeClr val="accent1"/>
+            </a:fillRef>
+            <a:effectRef idx="0">
+              <a:schemeClr val="accent1"/>
+            </a:effectRef>
+            <a:fontRef idx="minor">
+              <a:schemeClr val="tx1"/>
+            </a:fontRef>
+          </p:style>
+          <p:txBody>
+            <a:bodyPr rtlCol="0" anchor="ctr"/>
+            <a:lstStyle/>
+            <a:p>
+              <a:pPr algn="ctr"/>
+              <a:endParaRPr lang="de-DE"/>
+            </a:p>
+          </p:txBody>
+        </p:sp>
+      </p:grpSp>
+      <p:sp>
+        <p:nvSpPr>
+          <p:cNvPr id="97" name="Textfeld 96"/>
+          <p:cNvSpPr txBox="1"/>
+          <p:nvPr/>
+        </p:nvSpPr>
+        <p:spPr>
+          <a:xfrm>
+            <a:off x="2483768" y="3717032"/>
+            <a:ext cx="412292" cy="400110"/>
+          </a:xfrm>
+          <a:prstGeom prst="rect">
+            <a:avLst/>
+          </a:prstGeom>
+          <a:noFill/>
+        </p:spPr>
+        <p:txBody>
+          <a:bodyPr wrap="none" rtlCol="0">
+            <a:spAutoFit/>
+          </a:bodyPr>
+          <a:lstStyle/>
+          <a:p>
+            <a:r>
+              <a:rPr lang="de-DE" sz="2000" i="1" dirty="0" smtClean="0">
+                <a:latin typeface="Times New Roman" pitchFamily="18" charset="0"/>
+                <a:cs typeface="Times New Roman" pitchFamily="18" charset="0"/>
+              </a:rPr>
+              <a:t>Z</a:t>
+            </a:r>
+            <a:r>
+              <a:rPr lang="de-DE" sz="2000" i="1" baseline="-25000" dirty="0" smtClean="0">
+                <a:latin typeface="Times New Roman" pitchFamily="18" charset="0"/>
+                <a:cs typeface="Times New Roman" pitchFamily="18" charset="0"/>
+              </a:rPr>
+              <a:t>0</a:t>
+            </a:r>
+            <a:endParaRPr lang="de-DE" sz="2000" i="1" baseline="-25000" dirty="0">
+              <a:latin typeface="Times New Roman" pitchFamily="18" charset="0"/>
+              <a:cs typeface="Times New Roman" pitchFamily="18" charset="0"/>
             </a:endParaRPr>
           </a:p>
         </p:txBody>
